--- a/MBSE - RequirementsEditor.pptx
+++ b/MBSE - RequirementsEditor.pptx
@@ -2,20 +2,20 @@
 <file path=ppt/presentation.xml><?xml version="1.0" encoding="utf-8"?>
 <p:presentation xmlns:a="http://schemas.openxmlformats.org/drawingml/2006/main" xmlns:r="http://schemas.openxmlformats.org/officeDocument/2006/relationships" xmlns:p="http://schemas.openxmlformats.org/presentationml/2006/main">
   <p:sldMasterIdLst>
-    <p:sldMasterId id="2147483648" r:id="rId5"/>
+    <p:sldMasterId id="2147483648" r:id="rId1"/>
   </p:sldMasterIdLst>
   <p:notesMasterIdLst>
-    <p:notesMasterId r:id="rId7"/>
+    <p:notesMasterId r:id="rId8"/>
   </p:notesMasterIdLst>
   <p:sldIdLst>
-    <p:sldId id="256" r:id="rId8"/>
-    <p:sldId id="257" r:id="rId9"/>
-    <p:sldId id="258" r:id="rId10"/>
-    <p:sldId id="259" r:id="rId11"/>
-    <p:sldId id="260" r:id="rId12"/>
-    <p:sldId id="261" r:id="rId13"/>
+    <p:sldId id="256" r:id="rId2"/>
+    <p:sldId id="257" r:id="rId3"/>
+    <p:sldId id="258" r:id="rId4"/>
+    <p:sldId id="259" r:id="rId5"/>
+    <p:sldId id="260" r:id="rId6"/>
+    <p:sldId id="261" r:id="rId7"/>
   </p:sldIdLst>
-  <p:sldSz cx="9144000" cy="6858000"/>
+  <p:sldSz cx="9144000" cy="6858000" type="screen4x3"/>
   <p:notesSz cx="6858000" cy="9144000"/>
   <p:defaultTextStyle>
     <a:defPPr marL="0" marR="0" indent="0" algn="l" defTabSz="914400" rtl="0" fontAlgn="auto" latinLnBrk="1" hangingPunct="0">
@@ -33,7 +33,7 @@
       <a:buFontTx/>
       <a:buNone/>
       <a:tabLst/>
-      <a:defRPr b="0" baseline="0" cap="none" i="0" spc="0" strike="noStrike" sz="1800" u="none" kumimoji="0" normalizeH="0">
+      <a:defRPr kumimoji="0" sz="1800" b="0" i="0" u="none" strike="noStrike" cap="none" spc="0" normalizeH="0" baseline="0">
         <a:ln>
           <a:noFill/>
         </a:ln>
@@ -59,7 +59,7 @@
       <a:buFontTx/>
       <a:buNone/>
       <a:tabLst/>
-      <a:defRPr b="0" baseline="0" cap="none" i="0" spc="0" strike="noStrike" sz="1800" u="none" kumimoji="0" normalizeH="0">
+      <a:defRPr kumimoji="0" sz="1800" b="0" i="0" u="none" strike="noStrike" cap="none" spc="0" normalizeH="0" baseline="0">
         <a:ln>
           <a:noFill/>
         </a:ln>
@@ -89,7 +89,7 @@
       <a:buFontTx/>
       <a:buNone/>
       <a:tabLst/>
-      <a:defRPr b="0" baseline="0" cap="none" i="0" spc="0" strike="noStrike" sz="1800" u="none" kumimoji="0" normalizeH="0">
+      <a:defRPr kumimoji="0" sz="1800" b="0" i="0" u="none" strike="noStrike" cap="none" spc="0" normalizeH="0" baseline="0">
         <a:ln>
           <a:noFill/>
         </a:ln>
@@ -119,7 +119,7 @@
       <a:buFontTx/>
       <a:buNone/>
       <a:tabLst/>
-      <a:defRPr b="0" baseline="0" cap="none" i="0" spc="0" strike="noStrike" sz="1800" u="none" kumimoji="0" normalizeH="0">
+      <a:defRPr kumimoji="0" sz="1800" b="0" i="0" u="none" strike="noStrike" cap="none" spc="0" normalizeH="0" baseline="0">
         <a:ln>
           <a:noFill/>
         </a:ln>
@@ -149,7 +149,7 @@
       <a:buFontTx/>
       <a:buNone/>
       <a:tabLst/>
-      <a:defRPr b="0" baseline="0" cap="none" i="0" spc="0" strike="noStrike" sz="1800" u="none" kumimoji="0" normalizeH="0">
+      <a:defRPr kumimoji="0" sz="1800" b="0" i="0" u="none" strike="noStrike" cap="none" spc="0" normalizeH="0" baseline="0">
         <a:ln>
           <a:noFill/>
         </a:ln>
@@ -179,7 +179,7 @@
       <a:buFontTx/>
       <a:buNone/>
       <a:tabLst/>
-      <a:defRPr b="0" baseline="0" cap="none" i="0" spc="0" strike="noStrike" sz="1800" u="none" kumimoji="0" normalizeH="0">
+      <a:defRPr kumimoji="0" sz="1800" b="0" i="0" u="none" strike="noStrike" cap="none" spc="0" normalizeH="0" baseline="0">
         <a:ln>
           <a:noFill/>
         </a:ln>
@@ -209,7 +209,7 @@
       <a:buFontTx/>
       <a:buNone/>
       <a:tabLst/>
-      <a:defRPr b="0" baseline="0" cap="none" i="0" spc="0" strike="noStrike" sz="1800" u="none" kumimoji="0" normalizeH="0">
+      <a:defRPr kumimoji="0" sz="1800" b="0" i="0" u="none" strike="noStrike" cap="none" spc="0" normalizeH="0" baseline="0">
         <a:ln>
           <a:noFill/>
         </a:ln>
@@ -239,7 +239,7 @@
       <a:buFontTx/>
       <a:buNone/>
       <a:tabLst/>
-      <a:defRPr b="0" baseline="0" cap="none" i="0" spc="0" strike="noStrike" sz="1800" u="none" kumimoji="0" normalizeH="0">
+      <a:defRPr kumimoji="0" sz="1800" b="0" i="0" u="none" strike="noStrike" cap="none" spc="0" normalizeH="0" baseline="0">
         <a:ln>
           <a:noFill/>
         </a:ln>
@@ -269,7 +269,7 @@
       <a:buFontTx/>
       <a:buNone/>
       <a:tabLst/>
-      <a:defRPr b="0" baseline="0" cap="none" i="0" spc="0" strike="noStrike" sz="1800" u="none" kumimoji="0" normalizeH="0">
+      <a:defRPr kumimoji="0" sz="1800" b="0" i="0" u="none" strike="noStrike" cap="none" spc="0" normalizeH="0" baseline="0">
         <a:ln>
           <a:noFill/>
         </a:ln>
@@ -299,7 +299,7 @@
       <a:buFontTx/>
       <a:buNone/>
       <a:tabLst/>
-      <a:defRPr b="0" baseline="0" cap="none" i="0" spc="0" strike="noStrike" sz="1800" u="none" kumimoji="0" normalizeH="0">
+      <a:defRPr kumimoji="0" sz="1800" b="0" i="0" u="none" strike="noStrike" cap="none" spc="0" normalizeH="0" baseline="0">
         <a:ln>
           <a:noFill/>
         </a:ln>
@@ -318,14 +318,12 @@
 </p:presentation>
 </file>
 
-<file path=ppt/commentAuthors.xml><?xml version="1.0" encoding="utf-8"?>
-<p:cmAuthorLst xmlns:a="http://schemas.openxmlformats.org/drawingml/2006/main" xmlns:r="http://schemas.openxmlformats.org/officeDocument/2006/relationships" xmlns:p="http://schemas.openxmlformats.org/presentationml/2006/main"/>
-</file>
-
 <file path=ppt/charts/chart1.xml><?xml version="1.0" encoding="utf-8"?>
 <c:chartSpace xmlns:c="http://schemas.openxmlformats.org/drawingml/2006/chart" xmlns:a="http://schemas.openxmlformats.org/drawingml/2006/main" xmlns:r="http://schemas.openxmlformats.org/officeDocument/2006/relationships">
   <c:date1904 val="1"/>
+  <c:lang val="de-DE"/>
   <c:roundedCorners val="0"/>
+  <c:style val="2"/>
   <c:chart>
     <c:autoTitleDeleted val="1"/>
     <c:plotArea>
@@ -334,10 +332,10 @@
           <c:layoutTarget val="inner"/>
           <c:xMode val="edge"/>
           <c:yMode val="edge"/>
-          <c:x val="0.0579661"/>
-          <c:y val="0.0805127"/>
+          <c:x val="5.79661E-2"/>
+          <c:y val="8.0512700000000006E-2"/>
           <c:w val="0.782281"/>
-          <c:h val="0.833483"/>
+          <c:h val="0.83348299999999997"/>
         </c:manualLayout>
       </c:layout>
       <c:lineChart>
@@ -358,9 +356,6 @@
             </c:strRef>
           </c:tx>
           <c:spPr>
-            <a:solidFill>
-              <a:schemeClr val="accent1"/>
-            </a:solidFill>
             <a:ln w="38100" cap="flat">
               <a:solidFill>
                 <a:schemeClr val="accent1"/>
@@ -389,18 +384,26 @@
           </c:marker>
           <c:dLbls>
             <c:numFmt formatCode="0.#" sourceLinked="0"/>
+            <c:spPr>
+              <a:noFill/>
+              <a:ln>
+                <a:noFill/>
+              </a:ln>
+              <a:effectLst/>
+            </c:spPr>
             <c:txPr>
               <a:bodyPr/>
               <a:lstStyle/>
               <a:p>
                 <a:pPr>
-                  <a:defRPr b="0" i="0" strike="noStrike" sz="1400" u="none">
+                  <a:defRPr sz="1400" b="0" i="0" u="none" strike="noStrike">
                     <a:solidFill>
                       <a:srgbClr val="000000"/>
                     </a:solidFill>
                     <a:latin typeface="Arial"/>
                   </a:defRPr>
                 </a:pPr>
+                <a:endParaRPr lang="zh-CN"/>
               </a:p>
             </c:txPr>
             <c:dLblPos val="t"/>
@@ -411,6 +414,12 @@
             <c:showPercent val="0"/>
             <c:showBubbleSize val="0"/>
             <c:showLeaderLines val="0"/>
+            <c:extLst>
+              <c:ext xmlns:c15="http://schemas.microsoft.com/office/drawing/2012/chart" uri="{CE6537A1-D6FC-4f65-9D91-7224C49458BB}">
+                <c15:layout/>
+                <c15:showLeaderLines val="0"/>
+              </c:ext>
+            </c:extLst>
           </c:dLbls>
           <c:cat>
             <c:strRef>
@@ -436,18 +445,19 @@
             <c:numRef>
               <c:f>Sheet1!$B$2:$E$2</c:f>
               <c:numCache>
+                <c:formatCode>General</c:formatCode>
                 <c:ptCount val="4"/>
                 <c:pt idx="0">
-                  <c:v>20.400000</c:v>
+                  <c:v>20.399999999999999</c:v>
                 </c:pt>
                 <c:pt idx="1">
-                  <c:v>27.400000</c:v>
+                  <c:v>27.4</c:v>
                 </c:pt>
                 <c:pt idx="2">
-                  <c:v>90.000000</c:v>
+                  <c:v>90</c:v>
                 </c:pt>
                 <c:pt idx="3">
-                  <c:v>20.400000</c:v>
+                  <c:v>20.399999999999999</c:v>
                 </c:pt>
               </c:numCache>
             </c:numRef>
@@ -469,9 +479,6 @@
             </c:strRef>
           </c:tx>
           <c:spPr>
-            <a:solidFill>
-              <a:srgbClr val="969696"/>
-            </a:solidFill>
             <a:ln w="38100" cap="flat">
               <a:solidFill>
                 <a:srgbClr val="969696"/>
@@ -500,18 +507,26 @@
           </c:marker>
           <c:dLbls>
             <c:numFmt formatCode="0.#" sourceLinked="0"/>
+            <c:spPr>
+              <a:noFill/>
+              <a:ln>
+                <a:noFill/>
+              </a:ln>
+              <a:effectLst/>
+            </c:spPr>
             <c:txPr>
               <a:bodyPr/>
               <a:lstStyle/>
               <a:p>
                 <a:pPr>
-                  <a:defRPr b="0" i="0" strike="noStrike" sz="1400" u="none">
+                  <a:defRPr sz="1400" b="0" i="0" u="none" strike="noStrike">
                     <a:solidFill>
                       <a:srgbClr val="000000"/>
                     </a:solidFill>
                     <a:latin typeface="Arial"/>
                   </a:defRPr>
                 </a:pPr>
+                <a:endParaRPr lang="zh-CN"/>
               </a:p>
             </c:txPr>
             <c:dLblPos val="t"/>
@@ -522,6 +537,12 @@
             <c:showPercent val="0"/>
             <c:showBubbleSize val="0"/>
             <c:showLeaderLines val="0"/>
+            <c:extLst>
+              <c:ext xmlns:c15="http://schemas.microsoft.com/office/drawing/2012/chart" uri="{CE6537A1-D6FC-4f65-9D91-7224C49458BB}">
+                <c15:layout/>
+                <c15:showLeaderLines val="0"/>
+              </c:ext>
+            </c:extLst>
           </c:dLbls>
           <c:cat>
             <c:strRef>
@@ -547,30 +568,40 @@
             <c:numRef>
               <c:f>Sheet1!$B$3:$E$3</c:f>
               <c:numCache>
+                <c:formatCode>General</c:formatCode>
                 <c:ptCount val="4"/>
                 <c:pt idx="0">
-                  <c:v>30.600000</c:v>
+                  <c:v>30.6</c:v>
                 </c:pt>
                 <c:pt idx="1">
-                  <c:v>38.600000</c:v>
+                  <c:v>38.6</c:v>
                 </c:pt>
                 <c:pt idx="2">
-                  <c:v>34.600000</c:v>
+                  <c:v>34.6</c:v>
                 </c:pt>
                 <c:pt idx="3">
-                  <c:v>31.600000</c:v>
+                  <c:v>31.6</c:v>
                 </c:pt>
               </c:numCache>
             </c:numRef>
           </c:val>
           <c:smooth val="0"/>
         </c:ser>
+        <c:dLbls>
+          <c:showLegendKey val="0"/>
+          <c:showVal val="0"/>
+          <c:showCatName val="0"/>
+          <c:showSerName val="0"/>
+          <c:showPercent val="0"/>
+          <c:showBubbleSize val="0"/>
+        </c:dLbls>
         <c:marker val="1"/>
-        <c:axId val="2094734552"/>
-        <c:axId val="2094734553"/>
+        <c:smooth val="0"/>
+        <c:axId val="187502224"/>
+        <c:axId val="187502784"/>
       </c:lineChart>
       <c:catAx>
-        <c:axId val="2094734552"/>
+        <c:axId val="187502224"/>
         <c:scaling>
           <c:orientation val="minMax"/>
         </c:scaling>
@@ -594,23 +625,25 @@
           <a:lstStyle/>
           <a:p>
             <a:pPr>
-              <a:defRPr b="0" i="0" strike="noStrike" sz="1400" u="none">
+              <a:defRPr sz="1400" b="0" i="0" u="none" strike="noStrike">
                 <a:solidFill>
                   <a:srgbClr val="000000"/>
                 </a:solidFill>
                 <a:latin typeface="Arial"/>
               </a:defRPr>
             </a:pPr>
+            <a:endParaRPr lang="zh-CN"/>
           </a:p>
         </c:txPr>
-        <c:crossAx val="2094734553"/>
+        <c:crossAx val="187502784"/>
         <c:crosses val="autoZero"/>
         <c:auto val="1"/>
         <c:lblAlgn val="ctr"/>
+        <c:lblOffset val="100"/>
         <c:noMultiLvlLbl val="1"/>
       </c:catAx>
       <c:valAx>
-        <c:axId val="2094734553"/>
+        <c:axId val="187502784"/>
         <c:scaling>
           <c:orientation val="minMax"/>
         </c:scaling>
@@ -643,16 +676,17 @@
           <a:lstStyle/>
           <a:p>
             <a:pPr>
-              <a:defRPr b="0" i="0" strike="noStrike" sz="1400" u="none">
+              <a:defRPr sz="1400" b="0" i="0" u="none" strike="noStrike">
                 <a:solidFill>
                   <a:srgbClr val="000000"/>
                 </a:solidFill>
                 <a:latin typeface="Arial"/>
               </a:defRPr>
             </a:pPr>
+            <a:endParaRPr lang="zh-CN"/>
           </a:p>
         </c:txPr>
-        <c:crossAx val="2094734552"/>
+        <c:crossAx val="187502224"/>
         <c:crosses val="autoZero"/>
         <c:crossBetween val="between"/>
         <c:majorUnit val="22.5"/>
@@ -673,10 +707,10 @@
         <c:manualLayout>
           <c:xMode val="edge"/>
           <c:yMode val="edge"/>
-          <c:x val="0.852125"/>
-          <c:y val="0.42693"/>
-          <c:w val="0.147875"/>
-          <c:h val="0.124938"/>
+          <c:x val="0.85212500000000002"/>
+          <c:y val="0.42692999999999998"/>
+          <c:w val="0.14787500000000001"/>
+          <c:h val="0.12493799999999999"/>
         </c:manualLayout>
       </c:layout>
       <c:overlay val="1"/>
@@ -693,18 +727,20 @@
         <a:lstStyle/>
         <a:p>
           <a:pPr>
-            <a:defRPr b="0" i="0" strike="noStrike" sz="1400" u="none">
+            <a:defRPr sz="1400" b="0" i="0" u="none" strike="noStrike">
               <a:solidFill>
                 <a:srgbClr val="000000"/>
               </a:solidFill>
               <a:latin typeface="Arial"/>
             </a:defRPr>
           </a:pPr>
+          <a:endParaRPr lang="zh-CN"/>
         </a:p>
       </c:txPr>
     </c:legend>
     <c:plotVisOnly val="0"/>
     <c:dispBlanksAs val="gap"/>
+    <c:showDLblsOverMax val="1"/>
   </c:chart>
   <c:spPr>
     <a:noFill/>
@@ -722,6 +758,11 @@
 <file path=ppt/notesMasters/notesMaster1.xml><?xml version="1.0" encoding="utf-8"?>
 <p:notesMaster xmlns:a="http://schemas.openxmlformats.org/drawingml/2006/main" xmlns:r="http://schemas.openxmlformats.org/officeDocument/2006/relationships" xmlns:p="http://schemas.openxmlformats.org/presentationml/2006/main">
   <p:cSld>
+    <p:bg>
+      <p:bgRef idx="1001">
+        <a:schemeClr val="bg1"/>
+      </p:bgRef>
+    </p:bg>
     <p:spTree>
       <p:nvGrpSpPr>
         <p:cNvPr id="1" name=""/>
@@ -739,7 +780,9 @@
       <p:sp>
         <p:nvSpPr>
           <p:cNvPr id="86" name="Shape 86"/>
-          <p:cNvSpPr/>
+          <p:cNvSpPr>
+            <a:spLocks noGrp="1" noRot="1" noChangeAspect="1"/>
+          </p:cNvSpPr>
           <p:nvPr>
             <p:ph type="sldImg"/>
           </p:nvPr>
@@ -757,14 +800,16 @@
           <a:bodyPr/>
           <a:lstStyle/>
           <a:p>
-            <a:pPr/>
+            <a:endParaRPr/>
           </a:p>
         </p:txBody>
       </p:sp>
       <p:sp>
         <p:nvSpPr>
           <p:cNvPr id="87" name="Shape 87"/>
-          <p:cNvSpPr/>
+          <p:cNvSpPr>
+            <a:spLocks noGrp="1"/>
+          </p:cNvSpPr>
           <p:nvPr>
             <p:ph type="body" sz="quarter" idx="1"/>
           </p:nvPr>
@@ -782,11 +827,16 @@
           <a:bodyPr/>
           <a:lstStyle/>
           <a:p>
-            <a:pPr/>
+            <a:endParaRPr/>
           </a:p>
         </p:txBody>
       </p:sp>
     </p:spTree>
+    <p:extLst>
+      <p:ext uri="{BB962C8B-B14F-4D97-AF65-F5344CB8AC3E}">
+        <p14:creationId xmlns:p14="http://schemas.microsoft.com/office/powerpoint/2010/main" val="2519031395"/>
+      </p:ext>
+    </p:extLst>
   </p:cSld>
   <p:clrMap bg1="lt1" tx1="dk1" bg2="lt2" tx2="dk2" accent1="accent1" accent2="accent2" accent3="accent3" accent4="accent4" accent5="accent5" accent6="accent6" hlink="hlink" folHlink="folHlink"/>
   <p:notesStyle>
@@ -894,7 +944,7 @@
 </file>
 
 <file path=ppt/slideLayouts/slideLayout1.xml><?xml version="1.0" encoding="utf-8"?>
-<p:sldLayout xmlns:a="http://schemas.openxmlformats.org/drawingml/2006/main" xmlns:r="http://schemas.openxmlformats.org/officeDocument/2006/relationships" xmlns:p="http://schemas.openxmlformats.org/presentationml/2006/main" type="tx" showMasterSp="0" showMasterPhAnim="1">
+<p:sldLayout xmlns:a="http://schemas.openxmlformats.org/drawingml/2006/main" xmlns:r="http://schemas.openxmlformats.org/officeDocument/2006/relationships" xmlns:p="http://schemas.openxmlformats.org/presentationml/2006/main" showMasterSp="0" type="tx">
   <p:cSld name="Titelfolie">
     <p:spTree>
       <p:nvGrpSpPr>
@@ -954,6 +1004,7 @@
             <a:lstStyle/>
             <a:p>
               <a:pPr algn="ctr"/>
+              <a:endParaRPr/>
             </a:p>
           </p:txBody>
         </p:sp>
@@ -979,7 +1030,7 @@
             <a:effectLst/>
             <a:extLst>
               <a:ext uri="{C572A759-6A51-4108-AA02-DFA0A04FC94B}">
-                <ma14:wrappingTextBoxFlag xmlns:ma14="http://schemas.microsoft.com/office/mac/drawingml/2011/main" val="1"/>
+                <ma14:wrappingTextBoxFlag xmlns:ma14="http://schemas.microsoft.com/office/mac/drawingml/2011/main" xmlns="" val="1"/>
               </a:ext>
             </a:extLst>
           </p:spPr>
@@ -991,7 +1042,6 @@
               <a:lvl1pPr algn="ctr"/>
             </a:lstStyle>
             <a:p>
-              <a:pPr/>
               <a:r>
                 <a:t>Platzhalter für Bild, Bild auf Titelfolie hinter das Logo einsetzen</a:t>
               </a:r>
@@ -1043,6 +1093,7 @@
             <a:lstStyle/>
             <a:p>
               <a:pPr algn="ctr"/>
+              <a:endParaRPr/>
             </a:p>
           </p:txBody>
         </p:sp>
@@ -1068,7 +1119,7 @@
             <a:effectLst/>
             <a:extLst>
               <a:ext uri="{C572A759-6A51-4108-AA02-DFA0A04FC94B}">
-                <ma14:wrappingTextBoxFlag xmlns:ma14="http://schemas.microsoft.com/office/mac/drawingml/2011/main" val="1"/>
+                <ma14:wrappingTextBoxFlag xmlns:ma14="http://schemas.microsoft.com/office/mac/drawingml/2011/main" xmlns="" val="1"/>
               </a:ext>
             </a:extLst>
           </p:spPr>
@@ -1080,7 +1131,6 @@
               <a:lvl1pPr algn="ctr"/>
             </a:lstStyle>
             <a:p>
-              <a:pPr/>
               <a:r>
                 <a:t>   </a:t>
               </a:r>
@@ -1171,14 +1221,16 @@
           <a:bodyPr lIns="45719" rIns="45719" anchor="ctr"/>
           <a:lstStyle/>
           <a:p>
-            <a:pPr/>
+            <a:endParaRPr/>
           </a:p>
         </p:txBody>
       </p:sp>
       <p:sp>
         <p:nvSpPr>
           <p:cNvPr id="24" name="Shape 24"/>
-          <p:cNvSpPr/>
+          <p:cNvSpPr>
+            <a:spLocks noGrp="1"/>
+          </p:cNvSpPr>
           <p:nvPr>
             <p:ph type="title"/>
           </p:nvPr>
@@ -1196,7 +1248,6 @@
           <a:bodyPr/>
           <a:lstStyle/>
           <a:p>
-            <a:pPr/>
             <a:r>
               <a:t>Titeltext</a:t>
             </a:r>
@@ -1206,7 +1257,9 @@
       <p:sp>
         <p:nvSpPr>
           <p:cNvPr id="25" name="Shape 25"/>
-          <p:cNvSpPr/>
+          <p:cNvSpPr>
+            <a:spLocks noGrp="1"/>
+          </p:cNvSpPr>
           <p:nvPr>
             <p:ph type="body" sz="quarter" idx="1"/>
           </p:nvPr>
@@ -1224,7 +1277,6 @@
           <a:bodyPr/>
           <a:lstStyle/>
           <a:p>
-            <a:pPr/>
             <a:r>
               <a:t>Textebene 1</a:t>
             </a:r>
@@ -1258,7 +1310,9 @@
       <p:sp>
         <p:nvSpPr>
           <p:cNvPr id="26" name="Shape 26"/>
-          <p:cNvSpPr/>
+          <p:cNvSpPr>
+            <a:spLocks noGrp="1"/>
+          </p:cNvSpPr>
           <p:nvPr>
             <p:ph type="sldNum" sz="quarter" idx="2"/>
           </p:nvPr>
@@ -1272,8 +1326,10 @@
           <a:bodyPr/>
           <a:lstStyle/>
           <a:p>
-            <a:pPr/>
-            <a:fld id="{86CB4B4D-7CA3-9044-876B-883B54F8677D}" type="slidenum"/>
+            <a:fld id="{86CB4B4D-7CA3-9044-876B-883B54F8677D}" type="slidenum">
+              <a:t>‹Nr.›</a:t>
+            </a:fld>
+            <a:endParaRPr/>
           </a:p>
         </p:txBody>
       </p:sp>
@@ -1282,12 +1338,12 @@
   <p:clrMapOvr>
     <a:masterClrMapping/>
   </p:clrMapOvr>
-  <p:transition xmlns:p14="http://schemas.microsoft.com/office/powerpoint/2010/main" spd="med" advClick="1"/>
+  <p:transition spd="med"/>
 </p:sldLayout>
 </file>
 
 <file path=ppt/slideLayouts/slideLayout2.xml><?xml version="1.0" encoding="utf-8"?>
-<p:sldLayout xmlns:a="http://schemas.openxmlformats.org/drawingml/2006/main" xmlns:r="http://schemas.openxmlformats.org/officeDocument/2006/relationships" xmlns:p="http://schemas.openxmlformats.org/presentationml/2006/main" type="tx" showMasterSp="1" showMasterPhAnim="1">
+<p:sldLayout xmlns:a="http://schemas.openxmlformats.org/drawingml/2006/main" xmlns:r="http://schemas.openxmlformats.org/officeDocument/2006/relationships" xmlns:p="http://schemas.openxmlformats.org/presentationml/2006/main" type="tx">
   <p:cSld name="Titel , Zwischentitel und Inhalt">
     <p:spTree>
       <p:nvGrpSpPr>
@@ -1306,7 +1362,9 @@
       <p:sp>
         <p:nvSpPr>
           <p:cNvPr id="33" name="Shape 33"/>
-          <p:cNvSpPr/>
+          <p:cNvSpPr>
+            <a:spLocks noGrp="1"/>
+          </p:cNvSpPr>
           <p:nvPr>
             <p:ph type="title"/>
           </p:nvPr>
@@ -1320,7 +1378,6 @@
           <a:bodyPr/>
           <a:lstStyle/>
           <a:p>
-            <a:pPr/>
             <a:r>
               <a:t>Titeltext</a:t>
             </a:r>
@@ -1330,7 +1387,9 @@
       <p:sp>
         <p:nvSpPr>
           <p:cNvPr id="34" name="Shape 34"/>
-          <p:cNvSpPr/>
+          <p:cNvSpPr>
+            <a:spLocks noGrp="1"/>
+          </p:cNvSpPr>
           <p:nvPr>
             <p:ph type="body" idx="1"/>
           </p:nvPr>
@@ -1344,7 +1403,6 @@
           <a:bodyPr/>
           <a:lstStyle/>
           <a:p>
-            <a:pPr/>
             <a:r>
               <a:t>Textebene 1</a:t>
             </a:r>
@@ -1378,7 +1436,9 @@
       <p:sp>
         <p:nvSpPr>
           <p:cNvPr id="35" name="Shape 35"/>
-          <p:cNvSpPr/>
+          <p:cNvSpPr>
+            <a:spLocks noGrp="1"/>
+          </p:cNvSpPr>
           <p:nvPr>
             <p:ph type="body" sz="quarter" idx="13"/>
           </p:nvPr>
@@ -1400,15 +1460,18 @@
               <a:spcBef>
                 <a:spcPts val="400"/>
               </a:spcBef>
-              <a:defRPr b="1" sz="1800"/>
+              <a:defRPr sz="1800" b="1"/>
             </a:pPr>
+            <a:endParaRPr/>
           </a:p>
         </p:txBody>
       </p:sp>
       <p:sp>
         <p:nvSpPr>
           <p:cNvPr id="36" name="Shape 36"/>
-          <p:cNvSpPr/>
+          <p:cNvSpPr>
+            <a:spLocks noGrp="1"/>
+          </p:cNvSpPr>
           <p:nvPr>
             <p:ph type="sldNum" sz="quarter" idx="2"/>
           </p:nvPr>
@@ -1422,8 +1485,10 @@
           <a:bodyPr/>
           <a:lstStyle/>
           <a:p>
-            <a:pPr/>
-            <a:fld id="{86CB4B4D-7CA3-9044-876B-883B54F8677D}" type="slidenum"/>
+            <a:fld id="{86CB4B4D-7CA3-9044-876B-883B54F8677D}" type="slidenum">
+              <a:t>‹Nr.›</a:t>
+            </a:fld>
+            <a:endParaRPr/>
           </a:p>
         </p:txBody>
       </p:sp>
@@ -1432,12 +1497,12 @@
   <p:clrMapOvr>
     <a:masterClrMapping/>
   </p:clrMapOvr>
-  <p:transition xmlns:p14="http://schemas.microsoft.com/office/powerpoint/2010/main" spd="med" advClick="1"/>
+  <p:transition spd="med"/>
 </p:sldLayout>
 </file>
 
 <file path=ppt/slideLayouts/slideLayout3.xml><?xml version="1.0" encoding="utf-8"?>
-<p:sldLayout xmlns:a="http://schemas.openxmlformats.org/drawingml/2006/main" xmlns:r="http://schemas.openxmlformats.org/officeDocument/2006/relationships" xmlns:p="http://schemas.openxmlformats.org/presentationml/2006/main" type="tx" showMasterSp="1" showMasterPhAnim="1">
+<p:sldLayout xmlns:a="http://schemas.openxmlformats.org/drawingml/2006/main" xmlns:r="http://schemas.openxmlformats.org/officeDocument/2006/relationships" xmlns:p="http://schemas.openxmlformats.org/presentationml/2006/main" type="tx">
   <p:cSld name="3_Titel und Inhalt">
     <p:spTree>
       <p:nvGrpSpPr>
@@ -1456,7 +1521,9 @@
       <p:sp>
         <p:nvSpPr>
           <p:cNvPr id="43" name="Shape 43"/>
-          <p:cNvSpPr/>
+          <p:cNvSpPr>
+            <a:spLocks noGrp="1"/>
+          </p:cNvSpPr>
           <p:nvPr>
             <p:ph type="title"/>
           </p:nvPr>
@@ -1470,7 +1537,6 @@
           <a:bodyPr/>
           <a:lstStyle/>
           <a:p>
-            <a:pPr/>
             <a:r>
               <a:t>Titeltext</a:t>
             </a:r>
@@ -1480,7 +1546,9 @@
       <p:sp>
         <p:nvSpPr>
           <p:cNvPr id="44" name="Shape 44"/>
-          <p:cNvSpPr/>
+          <p:cNvSpPr>
+            <a:spLocks noGrp="1"/>
+          </p:cNvSpPr>
           <p:nvPr>
             <p:ph type="body" idx="1"/>
           </p:nvPr>
@@ -1498,7 +1566,6 @@
           <a:bodyPr/>
           <a:lstStyle/>
           <a:p>
-            <a:pPr/>
             <a:r>
               <a:t>Textebene 1</a:t>
             </a:r>
@@ -1532,7 +1599,9 @@
       <p:sp>
         <p:nvSpPr>
           <p:cNvPr id="45" name="Shape 45"/>
-          <p:cNvSpPr/>
+          <p:cNvSpPr>
+            <a:spLocks noGrp="1"/>
+          </p:cNvSpPr>
           <p:nvPr>
             <p:ph type="sldNum" sz="quarter" idx="2"/>
           </p:nvPr>
@@ -1546,8 +1615,10 @@
           <a:bodyPr/>
           <a:lstStyle/>
           <a:p>
-            <a:pPr/>
-            <a:fld id="{86CB4B4D-7CA3-9044-876B-883B54F8677D}" type="slidenum"/>
+            <a:fld id="{86CB4B4D-7CA3-9044-876B-883B54F8677D}" type="slidenum">
+              <a:t>‹Nr.›</a:t>
+            </a:fld>
+            <a:endParaRPr/>
           </a:p>
         </p:txBody>
       </p:sp>
@@ -1556,12 +1627,12 @@
   <p:clrMapOvr>
     <a:masterClrMapping/>
   </p:clrMapOvr>
-  <p:transition xmlns:p14="http://schemas.microsoft.com/office/powerpoint/2010/main" spd="med" advClick="1"/>
+  <p:transition spd="med"/>
 </p:sldLayout>
 </file>
 
 <file path=ppt/slideLayouts/slideLayout4.xml><?xml version="1.0" encoding="utf-8"?>
-<p:sldLayout xmlns:a="http://schemas.openxmlformats.org/drawingml/2006/main" xmlns:r="http://schemas.openxmlformats.org/officeDocument/2006/relationships" xmlns:p="http://schemas.openxmlformats.org/presentationml/2006/main" type="tx" showMasterSp="1" showMasterPhAnim="1">
+<p:sldLayout xmlns:a="http://schemas.openxmlformats.org/drawingml/2006/main" xmlns:r="http://schemas.openxmlformats.org/officeDocument/2006/relationships" xmlns:p="http://schemas.openxmlformats.org/presentationml/2006/main" type="tx">
   <p:cSld name="2_Titel und Inhalt">
     <p:spTree>
       <p:nvGrpSpPr>
@@ -1580,7 +1651,9 @@
       <p:sp>
         <p:nvSpPr>
           <p:cNvPr id="52" name="Shape 52"/>
-          <p:cNvSpPr/>
+          <p:cNvSpPr>
+            <a:spLocks noGrp="1"/>
+          </p:cNvSpPr>
           <p:nvPr>
             <p:ph type="title"/>
           </p:nvPr>
@@ -1594,7 +1667,6 @@
           <a:bodyPr/>
           <a:lstStyle/>
           <a:p>
-            <a:pPr/>
             <a:r>
               <a:t>Titeltext</a:t>
             </a:r>
@@ -1604,7 +1676,9 @@
       <p:sp>
         <p:nvSpPr>
           <p:cNvPr id="53" name="Shape 53"/>
-          <p:cNvSpPr/>
+          <p:cNvSpPr>
+            <a:spLocks noGrp="1"/>
+          </p:cNvSpPr>
           <p:nvPr>
             <p:ph type="body" sz="half" idx="1"/>
           </p:nvPr>
@@ -1622,7 +1696,6 @@
           <a:bodyPr/>
           <a:lstStyle/>
           <a:p>
-            <a:pPr/>
             <a:r>
               <a:t>Textebene 1</a:t>
             </a:r>
@@ -1656,7 +1729,9 @@
       <p:sp>
         <p:nvSpPr>
           <p:cNvPr id="54" name="Shape 54"/>
-          <p:cNvSpPr/>
+          <p:cNvSpPr>
+            <a:spLocks noGrp="1"/>
+          </p:cNvSpPr>
           <p:nvPr>
             <p:ph type="sldNum" sz="quarter" idx="2"/>
           </p:nvPr>
@@ -1670,8 +1745,10 @@
           <a:bodyPr/>
           <a:lstStyle/>
           <a:p>
-            <a:pPr/>
-            <a:fld id="{86CB4B4D-7CA3-9044-876B-883B54F8677D}" type="slidenum"/>
+            <a:fld id="{86CB4B4D-7CA3-9044-876B-883B54F8677D}" type="slidenum">
+              <a:t>‹Nr.›</a:t>
+            </a:fld>
+            <a:endParaRPr/>
           </a:p>
         </p:txBody>
       </p:sp>
@@ -1680,12 +1757,12 @@
   <p:clrMapOvr>
     <a:masterClrMapping/>
   </p:clrMapOvr>
-  <p:transition xmlns:p14="http://schemas.microsoft.com/office/powerpoint/2010/main" spd="med" advClick="1"/>
+  <p:transition spd="med"/>
 </p:sldLayout>
 </file>
 
 <file path=ppt/slideLayouts/slideLayout5.xml><?xml version="1.0" encoding="utf-8"?>
-<p:sldLayout xmlns:a="http://schemas.openxmlformats.org/drawingml/2006/main" xmlns:r="http://schemas.openxmlformats.org/officeDocument/2006/relationships" xmlns:p="http://schemas.openxmlformats.org/presentationml/2006/main" type="tx" showMasterSp="1" showMasterPhAnim="1">
+<p:sldLayout xmlns:a="http://schemas.openxmlformats.org/drawingml/2006/main" xmlns:r="http://schemas.openxmlformats.org/officeDocument/2006/relationships" xmlns:p="http://schemas.openxmlformats.org/presentationml/2006/main" type="tx">
   <p:cSld name="Nur Titel">
     <p:spTree>
       <p:nvGrpSpPr>
@@ -1704,7 +1781,9 @@
       <p:sp>
         <p:nvSpPr>
           <p:cNvPr id="61" name="Shape 61"/>
-          <p:cNvSpPr/>
+          <p:cNvSpPr>
+            <a:spLocks noGrp="1"/>
+          </p:cNvSpPr>
           <p:nvPr>
             <p:ph type="title"/>
           </p:nvPr>
@@ -1718,7 +1797,6 @@
           <a:bodyPr/>
           <a:lstStyle/>
           <a:p>
-            <a:pPr/>
             <a:r>
               <a:t>Titeltext</a:t>
             </a:r>
@@ -1728,7 +1806,9 @@
       <p:sp>
         <p:nvSpPr>
           <p:cNvPr id="62" name="Shape 62"/>
-          <p:cNvSpPr/>
+          <p:cNvSpPr>
+            <a:spLocks noGrp="1"/>
+          </p:cNvSpPr>
           <p:nvPr>
             <p:ph type="sldNum" sz="quarter" idx="2"/>
           </p:nvPr>
@@ -1742,8 +1822,10 @@
           <a:bodyPr/>
           <a:lstStyle/>
           <a:p>
-            <a:pPr/>
-            <a:fld id="{86CB4B4D-7CA3-9044-876B-883B54F8677D}" type="slidenum"/>
+            <a:fld id="{86CB4B4D-7CA3-9044-876B-883B54F8677D}" type="slidenum">
+              <a:t>‹Nr.›</a:t>
+            </a:fld>
+            <a:endParaRPr/>
           </a:p>
         </p:txBody>
       </p:sp>
@@ -1752,12 +1834,12 @@
   <p:clrMapOvr>
     <a:masterClrMapping/>
   </p:clrMapOvr>
-  <p:transition xmlns:p14="http://schemas.microsoft.com/office/powerpoint/2010/main" spd="med" advClick="1"/>
+  <p:transition spd="med"/>
 </p:sldLayout>
 </file>
 
 <file path=ppt/slideLayouts/slideLayout6.xml><?xml version="1.0" encoding="utf-8"?>
-<p:sldLayout xmlns:a="http://schemas.openxmlformats.org/drawingml/2006/main" xmlns:r="http://schemas.openxmlformats.org/officeDocument/2006/relationships" xmlns:p="http://schemas.openxmlformats.org/presentationml/2006/main" type="tx" showMasterSp="1" showMasterPhAnim="1">
+<p:sldLayout xmlns:a="http://schemas.openxmlformats.org/drawingml/2006/main" xmlns:r="http://schemas.openxmlformats.org/officeDocument/2006/relationships" xmlns:p="http://schemas.openxmlformats.org/presentationml/2006/main" type="tx">
   <p:cSld name="Titel und Diagramm">
     <p:spTree>
       <p:nvGrpSpPr>
@@ -1776,7 +1858,9 @@
       <p:sp>
         <p:nvSpPr>
           <p:cNvPr id="69" name="Shape 69"/>
-          <p:cNvSpPr/>
+          <p:cNvSpPr>
+            <a:spLocks noGrp="1"/>
+          </p:cNvSpPr>
           <p:nvPr>
             <p:ph type="title"/>
           </p:nvPr>
@@ -1790,7 +1874,6 @@
           <a:bodyPr/>
           <a:lstStyle/>
           <a:p>
-            <a:pPr/>
             <a:r>
               <a:t>Titeltext</a:t>
             </a:r>
@@ -1800,7 +1883,9 @@
       <p:sp>
         <p:nvSpPr>
           <p:cNvPr id="70" name="Shape 70"/>
-          <p:cNvSpPr/>
+          <p:cNvSpPr>
+            <a:spLocks noGrp="1"/>
+          </p:cNvSpPr>
           <p:nvPr>
             <p:ph type="sldNum" sz="quarter" idx="2"/>
           </p:nvPr>
@@ -1814,8 +1899,10 @@
           <a:bodyPr/>
           <a:lstStyle/>
           <a:p>
-            <a:pPr/>
-            <a:fld id="{86CB4B4D-7CA3-9044-876B-883B54F8677D}" type="slidenum"/>
+            <a:fld id="{86CB4B4D-7CA3-9044-876B-883B54F8677D}" type="slidenum">
+              <a:t>‹Nr.›</a:t>
+            </a:fld>
+            <a:endParaRPr/>
           </a:p>
         </p:txBody>
       </p:sp>
@@ -1824,12 +1911,12 @@
   <p:clrMapOvr>
     <a:masterClrMapping/>
   </p:clrMapOvr>
-  <p:transition xmlns:p14="http://schemas.microsoft.com/office/powerpoint/2010/main" spd="med" advClick="1"/>
+  <p:transition spd="med"/>
 </p:sldLayout>
 </file>
 
 <file path=ppt/slideLayouts/slideLayout7.xml><?xml version="1.0" encoding="utf-8"?>
-<p:sldLayout xmlns:a="http://schemas.openxmlformats.org/drawingml/2006/main" xmlns:r="http://schemas.openxmlformats.org/officeDocument/2006/relationships" xmlns:p="http://schemas.openxmlformats.org/presentationml/2006/main" type="tx" showMasterSp="1" showMasterPhAnim="1">
+<p:sldLayout xmlns:a="http://schemas.openxmlformats.org/drawingml/2006/main" xmlns:r="http://schemas.openxmlformats.org/officeDocument/2006/relationships" xmlns:p="http://schemas.openxmlformats.org/presentationml/2006/main" type="tx">
   <p:cSld name="Gliederung">
     <p:spTree>
       <p:nvGrpSpPr>
@@ -1877,13 +1964,16 @@
                 </a:solidFill>
               </a:defRPr>
             </a:pPr>
+            <a:endParaRPr/>
           </a:p>
         </p:txBody>
       </p:sp>
       <p:sp>
         <p:nvSpPr>
           <p:cNvPr id="78" name="Shape 78"/>
-          <p:cNvSpPr/>
+          <p:cNvSpPr>
+            <a:spLocks noGrp="1"/>
+          </p:cNvSpPr>
           <p:nvPr>
             <p:ph type="title"/>
           </p:nvPr>
@@ -1905,7 +1995,6 @@
             </a:lvl1pPr>
           </a:lstStyle>
           <a:p>
-            <a:pPr/>
             <a:r>
               <a:t>Titeltext</a:t>
             </a:r>
@@ -1915,7 +2004,9 @@
       <p:sp>
         <p:nvSpPr>
           <p:cNvPr id="79" name="Shape 79"/>
-          <p:cNvSpPr/>
+          <p:cNvSpPr>
+            <a:spLocks noGrp="1"/>
+          </p:cNvSpPr>
           <p:nvPr>
             <p:ph type="body" idx="1"/>
           </p:nvPr>
@@ -1984,7 +2075,6 @@
             </a:lvl5pPr>
           </a:lstStyle>
           <a:p>
-            <a:pPr/>
             <a:r>
               <a:t>Textebene 1</a:t>
             </a:r>
@@ -2018,7 +2108,9 @@
       <p:sp>
         <p:nvSpPr>
           <p:cNvPr id="80" name="Shape 80"/>
-          <p:cNvSpPr/>
+          <p:cNvSpPr>
+            <a:spLocks noGrp="1"/>
+          </p:cNvSpPr>
           <p:nvPr>
             <p:ph type="sldNum" sz="quarter" idx="2"/>
           </p:nvPr>
@@ -2032,8 +2124,10 @@
           <a:bodyPr/>
           <a:lstStyle/>
           <a:p>
-            <a:pPr/>
-            <a:fld id="{86CB4B4D-7CA3-9044-876B-883B54F8677D}" type="slidenum"/>
+            <a:fld id="{86CB4B4D-7CA3-9044-876B-883B54F8677D}" type="slidenum">
+              <a:t>‹Nr.›</a:t>
+            </a:fld>
+            <a:endParaRPr/>
           </a:p>
         </p:txBody>
       </p:sp>
@@ -2042,7 +2136,7 @@
   <p:clrMapOvr>
     <a:masterClrMapping/>
   </p:clrMapOvr>
-  <p:transition xmlns:p14="http://schemas.microsoft.com/office/powerpoint/2010/main" spd="med" advClick="1"/>
+  <p:transition spd="med"/>
 </p:sldLayout>
 </file>
 
@@ -2054,6 +2148,7 @@
         <a:solidFill>
           <a:srgbClr val="FFFFFF"/>
         </a:solidFill>
+        <a:effectLst/>
       </p:bgPr>
     </p:bg>
     <p:spTree>
@@ -2102,6 +2197,7 @@
                 </a:solidFill>
               </a:defRPr>
             </a:pPr>
+            <a:endParaRPr/>
           </a:p>
         </p:txBody>
       </p:sp>
@@ -2129,7 +2225,7 @@
           <a:bodyPr lIns="45719" rIns="45719"/>
           <a:lstStyle/>
           <a:p>
-            <a:pPr/>
+            <a:endParaRPr/>
           </a:p>
         </p:txBody>
       </p:sp>
@@ -2142,7 +2238,7 @@
           <p:nvPr/>
         </p:nvPicPr>
         <p:blipFill>
-          <a:blip r:embed="rId2">
+          <a:blip r:embed="rId9">
             <a:extLst/>
           </a:blip>
           <a:stretch>
@@ -2181,7 +2277,7 @@
           </a:ln>
           <a:extLst>
             <a:ext uri="{C572A759-6A51-4108-AA02-DFA0A04FC94B}">
-              <ma14:wrappingTextBoxFlag xmlns:ma14="http://schemas.microsoft.com/office/mac/drawingml/2011/main" val="1"/>
+              <ma14:wrappingTextBoxFlag xmlns:ma14="http://schemas.microsoft.com/office/mac/drawingml/2011/main" xmlns="" val="1"/>
             </a:ext>
           </a:extLst>
         </p:spPr>
@@ -2195,7 +2291,6 @@
             </a:lvl1pPr>
           </a:lstStyle>
           <a:p>
-            <a:pPr/>
             <a:r>
               <a:t>Datum | Referent/in | Kurztitel der Präsentation (bitte im Master einfügen) | Seite </a:t>
             </a:r>
@@ -2205,7 +2300,9 @@
       <p:sp>
         <p:nvSpPr>
           <p:cNvPr id="6" name="Shape 6"/>
-          <p:cNvSpPr/>
+          <p:cNvSpPr>
+            <a:spLocks noGrp="1"/>
+          </p:cNvSpPr>
           <p:nvPr>
             <p:ph type="title"/>
           </p:nvPr>
@@ -2223,17 +2320,16 @@
           </a:ln>
           <a:extLst>
             <a:ext uri="{C572A759-6A51-4108-AA02-DFA0A04FC94B}">
-              <ma14:wrappingTextBoxFlag xmlns:ma14="http://schemas.microsoft.com/office/mac/drawingml/2011/main" val="1"/>
+              <ma14:wrappingTextBoxFlag xmlns:ma14="http://schemas.microsoft.com/office/mac/drawingml/2011/main" xmlns="" val="1"/>
             </a:ext>
           </a:extLst>
         </p:spPr>
         <p:txBody>
           <a:bodyPr lIns="0" tIns="0" rIns="0" bIns="0" anchor="b">
-            <a:normAutofit fontScale="100000" lnSpcReduction="0"/>
+            <a:normAutofit/>
           </a:bodyPr>
           <a:lstStyle/>
           <a:p>
-            <a:pPr/>
             <a:r>
               <a:t>Titeltext</a:t>
             </a:r>
@@ -2243,7 +2339,9 @@
       <p:sp>
         <p:nvSpPr>
           <p:cNvPr id="7" name="Shape 7"/>
-          <p:cNvSpPr/>
+          <p:cNvSpPr>
+            <a:spLocks noGrp="1"/>
+          </p:cNvSpPr>
           <p:nvPr>
             <p:ph type="body" idx="1"/>
           </p:nvPr>
@@ -2261,17 +2359,16 @@
           </a:ln>
           <a:extLst>
             <a:ext uri="{C572A759-6A51-4108-AA02-DFA0A04FC94B}">
-              <ma14:wrappingTextBoxFlag xmlns:ma14="http://schemas.microsoft.com/office/mac/drawingml/2011/main" val="1"/>
+              <ma14:wrappingTextBoxFlag xmlns:ma14="http://schemas.microsoft.com/office/mac/drawingml/2011/main" xmlns="" val="1"/>
             </a:ext>
           </a:extLst>
         </p:spPr>
         <p:txBody>
           <a:bodyPr lIns="0" tIns="0" rIns="0" bIns="0">
-            <a:normAutofit fontScale="100000" lnSpcReduction="0"/>
+            <a:normAutofit/>
           </a:bodyPr>
           <a:lstStyle/>
           <a:p>
-            <a:pPr/>
             <a:r>
               <a:t>Textebene 1</a:t>
             </a:r>
@@ -2305,7 +2402,9 @@
       <p:sp>
         <p:nvSpPr>
           <p:cNvPr id="8" name="Shape 8"/>
-          <p:cNvSpPr/>
+          <p:cNvSpPr>
+            <a:spLocks noGrp="1"/>
+          </p:cNvSpPr>
           <p:nvPr>
             <p:ph type="sldNum" sz="quarter" idx="2"/>
           </p:nvPr>
@@ -2332,8 +2431,10 @@
             </a:lvl1pPr>
           </a:lstStyle>
           <a:p>
-            <a:pPr/>
-            <a:fld id="{86CB4B4D-7CA3-9044-876B-883B54F8677D}" type="slidenum"/>
+            <a:fld id="{86CB4B4D-7CA3-9044-876B-883B54F8677D}" type="slidenum">
+              <a:t>‹Nr.›</a:t>
+            </a:fld>
+            <a:endParaRPr/>
           </a:p>
         </p:txBody>
       </p:sp>
@@ -2341,15 +2442,15 @@
   </p:cSld>
   <p:clrMap bg1="lt1" tx1="dk1" bg2="lt2" tx2="dk2" accent1="accent1" accent2="accent2" accent3="accent3" accent4="accent4" accent5="accent5" accent6="accent6" hlink="hlink" folHlink="folHlink"/>
   <p:sldLayoutIdLst>
-    <p:sldLayoutId id="2147483649" r:id="rId3"/>
-    <p:sldLayoutId id="2147483650" r:id="rId4"/>
-    <p:sldLayoutId id="2147483651" r:id="rId5"/>
-    <p:sldLayoutId id="2147483652" r:id="rId6"/>
-    <p:sldLayoutId id="2147483653" r:id="rId7"/>
-    <p:sldLayoutId id="2147483654" r:id="rId8"/>
-    <p:sldLayoutId id="2147483655" r:id="rId9"/>
+    <p:sldLayoutId id="2147483649" r:id="rId1"/>
+    <p:sldLayoutId id="2147483650" r:id="rId2"/>
+    <p:sldLayoutId id="2147483651" r:id="rId3"/>
+    <p:sldLayoutId id="2147483652" r:id="rId4"/>
+    <p:sldLayoutId id="2147483653" r:id="rId5"/>
+    <p:sldLayoutId id="2147483654" r:id="rId6"/>
+    <p:sldLayoutId id="2147483655" r:id="rId7"/>
   </p:sldLayoutIdLst>
-  <p:transition xmlns:p14="http://schemas.microsoft.com/office/powerpoint/2010/main" spd="med" advClick="1"/>
+  <p:transition spd="med"/>
   <p:txStyles>
     <p:titleStyle>
       <a:lvl1pPr marL="0" marR="0" indent="0" algn="l" defTabSz="914400" rtl="0" latinLnBrk="0">
@@ -2367,7 +2468,7 @@
         <a:buFontTx/>
         <a:buNone/>
         <a:tabLst/>
-        <a:defRPr b="1" baseline="0" cap="none" i="0" spc="0" strike="noStrike" sz="2200" u="none">
+        <a:defRPr sz="2200" b="1" i="0" u="none" strike="noStrike" cap="none" spc="0" baseline="0">
           <a:ln>
             <a:noFill/>
           </a:ln>
@@ -2396,7 +2497,7 @@
         <a:buFontTx/>
         <a:buNone/>
         <a:tabLst/>
-        <a:defRPr b="1" baseline="0" cap="none" i="0" spc="0" strike="noStrike" sz="2200" u="none">
+        <a:defRPr sz="2200" b="1" i="0" u="none" strike="noStrike" cap="none" spc="0" baseline="0">
           <a:ln>
             <a:noFill/>
           </a:ln>
@@ -2425,7 +2526,7 @@
         <a:buFontTx/>
         <a:buNone/>
         <a:tabLst/>
-        <a:defRPr b="1" baseline="0" cap="none" i="0" spc="0" strike="noStrike" sz="2200" u="none">
+        <a:defRPr sz="2200" b="1" i="0" u="none" strike="noStrike" cap="none" spc="0" baseline="0">
           <a:ln>
             <a:noFill/>
           </a:ln>
@@ -2454,7 +2555,7 @@
         <a:buFontTx/>
         <a:buNone/>
         <a:tabLst/>
-        <a:defRPr b="1" baseline="0" cap="none" i="0" spc="0" strike="noStrike" sz="2200" u="none">
+        <a:defRPr sz="2200" b="1" i="0" u="none" strike="noStrike" cap="none" spc="0" baseline="0">
           <a:ln>
             <a:noFill/>
           </a:ln>
@@ -2483,7 +2584,7 @@
         <a:buFontTx/>
         <a:buNone/>
         <a:tabLst/>
-        <a:defRPr b="1" baseline="0" cap="none" i="0" spc="0" strike="noStrike" sz="2200" u="none">
+        <a:defRPr sz="2200" b="1" i="0" u="none" strike="noStrike" cap="none" spc="0" baseline="0">
           <a:ln>
             <a:noFill/>
           </a:ln>
@@ -2512,7 +2613,7 @@
         <a:buFontTx/>
         <a:buNone/>
         <a:tabLst/>
-        <a:defRPr b="1" baseline="0" cap="none" i="0" spc="0" strike="noStrike" sz="2200" u="none">
+        <a:defRPr sz="2200" b="1" i="0" u="none" strike="noStrike" cap="none" spc="0" baseline="0">
           <a:ln>
             <a:noFill/>
           </a:ln>
@@ -2541,7 +2642,7 @@
         <a:buFontTx/>
         <a:buNone/>
         <a:tabLst/>
-        <a:defRPr b="1" baseline="0" cap="none" i="0" spc="0" strike="noStrike" sz="2200" u="none">
+        <a:defRPr sz="2200" b="1" i="0" u="none" strike="noStrike" cap="none" spc="0" baseline="0">
           <a:ln>
             <a:noFill/>
           </a:ln>
@@ -2570,7 +2671,7 @@
         <a:buFontTx/>
         <a:buNone/>
         <a:tabLst/>
-        <a:defRPr b="1" baseline="0" cap="none" i="0" spc="0" strike="noStrike" sz="2200" u="none">
+        <a:defRPr sz="2200" b="1" i="0" u="none" strike="noStrike" cap="none" spc="0" baseline="0">
           <a:ln>
             <a:noFill/>
           </a:ln>
@@ -2599,7 +2700,7 @@
         <a:buFontTx/>
         <a:buNone/>
         <a:tabLst/>
-        <a:defRPr b="1" baseline="0" cap="none" i="0" spc="0" strike="noStrike" sz="2200" u="none">
+        <a:defRPr sz="2200" b="1" i="0" u="none" strike="noStrike" cap="none" spc="0" baseline="0">
           <a:ln>
             <a:noFill/>
           </a:ln>
@@ -2630,7 +2731,7 @@
         <a:buFontTx/>
         <a:buNone/>
         <a:tabLst/>
-        <a:defRPr b="0" baseline="0" cap="none" i="0" spc="0" strike="noStrike" sz="1600" u="none">
+        <a:defRPr sz="1600" b="0" i="0" u="none" strike="noStrike" cap="none" spc="0" baseline="0">
           <a:ln>
             <a:noFill/>
           </a:ln>
@@ -2659,7 +2760,7 @@
         <a:buFontTx/>
         <a:buChar char="▪"/>
         <a:tabLst/>
-        <a:defRPr b="0" baseline="0" cap="none" i="0" spc="0" strike="noStrike" sz="1600" u="none">
+        <a:defRPr sz="1600" b="0" i="0" u="none" strike="noStrike" cap="none" spc="0" baseline="0">
           <a:ln>
             <a:noFill/>
           </a:ln>
@@ -2688,7 +2789,7 @@
         <a:buFontTx/>
         <a:buChar char="▪"/>
         <a:tabLst/>
-        <a:defRPr b="0" baseline="0" cap="none" i="0" spc="0" strike="noStrike" sz="1600" u="none">
+        <a:defRPr sz="1600" b="0" i="0" u="none" strike="noStrike" cap="none" spc="0" baseline="0">
           <a:ln>
             <a:noFill/>
           </a:ln>
@@ -2717,7 +2818,7 @@
         <a:buFontTx/>
         <a:buChar char="▪"/>
         <a:tabLst/>
-        <a:defRPr b="0" baseline="0" cap="none" i="0" spc="0" strike="noStrike" sz="1600" u="none">
+        <a:defRPr sz="1600" b="0" i="0" u="none" strike="noStrike" cap="none" spc="0" baseline="0">
           <a:ln>
             <a:noFill/>
           </a:ln>
@@ -2746,7 +2847,7 @@
         <a:buFontTx/>
         <a:buChar char="▪"/>
         <a:tabLst/>
-        <a:defRPr b="0" baseline="0" cap="none" i="0" spc="0" strike="noStrike" sz="1600" u="none">
+        <a:defRPr sz="1600" b="0" i="0" u="none" strike="noStrike" cap="none" spc="0" baseline="0">
           <a:ln>
             <a:noFill/>
           </a:ln>
@@ -2775,7 +2876,7 @@
         <a:buFontTx/>
         <a:buChar char="▪"/>
         <a:tabLst/>
-        <a:defRPr b="0" baseline="0" cap="none" i="0" spc="0" strike="noStrike" sz="1600" u="none">
+        <a:defRPr sz="1600" b="0" i="0" u="none" strike="noStrike" cap="none" spc="0" baseline="0">
           <a:ln>
             <a:noFill/>
           </a:ln>
@@ -2804,7 +2905,7 @@
         <a:buFontTx/>
         <a:buChar char="▪"/>
         <a:tabLst/>
-        <a:defRPr b="0" baseline="0" cap="none" i="0" spc="0" strike="noStrike" sz="1600" u="none">
+        <a:defRPr sz="1600" b="0" i="0" u="none" strike="noStrike" cap="none" spc="0" baseline="0">
           <a:ln>
             <a:noFill/>
           </a:ln>
@@ -2833,7 +2934,7 @@
         <a:buFontTx/>
         <a:buChar char="▪"/>
         <a:tabLst/>
-        <a:defRPr b="0" baseline="0" cap="none" i="0" spc="0" strike="noStrike" sz="1600" u="none">
+        <a:defRPr sz="1600" b="0" i="0" u="none" strike="noStrike" cap="none" spc="0" baseline="0">
           <a:ln>
             <a:noFill/>
           </a:ln>
@@ -2862,7 +2963,7 @@
         <a:buFontTx/>
         <a:buChar char="▪"/>
         <a:tabLst/>
-        <a:defRPr b="0" baseline="0" cap="none" i="0" spc="0" strike="noStrike" sz="1600" u="none">
+        <a:defRPr sz="1600" b="0" i="0" u="none" strike="noStrike" cap="none" spc="0" baseline="0">
           <a:ln>
             <a:noFill/>
           </a:ln>
@@ -2893,7 +2994,7 @@
         <a:buFontTx/>
         <a:buNone/>
         <a:tabLst/>
-        <a:defRPr b="0" baseline="0" cap="none" i="0" spc="0" strike="noStrike" sz="1200" u="none">
+        <a:defRPr sz="1200" b="0" i="0" u="none" strike="noStrike" cap="none" spc="0" baseline="0">
           <a:ln>
             <a:noFill/>
           </a:ln>
@@ -2922,7 +3023,7 @@
         <a:buFontTx/>
         <a:buNone/>
         <a:tabLst/>
-        <a:defRPr b="0" baseline="0" cap="none" i="0" spc="0" strike="noStrike" sz="1200" u="none">
+        <a:defRPr sz="1200" b="0" i="0" u="none" strike="noStrike" cap="none" spc="0" baseline="0">
           <a:ln>
             <a:noFill/>
           </a:ln>
@@ -2951,7 +3052,7 @@
         <a:buFontTx/>
         <a:buNone/>
         <a:tabLst/>
-        <a:defRPr b="0" baseline="0" cap="none" i="0" spc="0" strike="noStrike" sz="1200" u="none">
+        <a:defRPr sz="1200" b="0" i="0" u="none" strike="noStrike" cap="none" spc="0" baseline="0">
           <a:ln>
             <a:noFill/>
           </a:ln>
@@ -2980,7 +3081,7 @@
         <a:buFontTx/>
         <a:buNone/>
         <a:tabLst/>
-        <a:defRPr b="0" baseline="0" cap="none" i="0" spc="0" strike="noStrike" sz="1200" u="none">
+        <a:defRPr sz="1200" b="0" i="0" u="none" strike="noStrike" cap="none" spc="0" baseline="0">
           <a:ln>
             <a:noFill/>
           </a:ln>
@@ -3009,7 +3110,7 @@
         <a:buFontTx/>
         <a:buNone/>
         <a:tabLst/>
-        <a:defRPr b="0" baseline="0" cap="none" i="0" spc="0" strike="noStrike" sz="1200" u="none">
+        <a:defRPr sz="1200" b="0" i="0" u="none" strike="noStrike" cap="none" spc="0" baseline="0">
           <a:ln>
             <a:noFill/>
           </a:ln>
@@ -3038,7 +3139,7 @@
         <a:buFontTx/>
         <a:buNone/>
         <a:tabLst/>
-        <a:defRPr b="0" baseline="0" cap="none" i="0" spc="0" strike="noStrike" sz="1200" u="none">
+        <a:defRPr sz="1200" b="0" i="0" u="none" strike="noStrike" cap="none" spc="0" baseline="0">
           <a:ln>
             <a:noFill/>
           </a:ln>
@@ -3067,7 +3168,7 @@
         <a:buFontTx/>
         <a:buNone/>
         <a:tabLst/>
-        <a:defRPr b="0" baseline="0" cap="none" i="0" spc="0" strike="noStrike" sz="1200" u="none">
+        <a:defRPr sz="1200" b="0" i="0" u="none" strike="noStrike" cap="none" spc="0" baseline="0">
           <a:ln>
             <a:noFill/>
           </a:ln>
@@ -3096,7 +3197,7 @@
         <a:buFontTx/>
         <a:buNone/>
         <a:tabLst/>
-        <a:defRPr b="0" baseline="0" cap="none" i="0" spc="0" strike="noStrike" sz="1200" u="none">
+        <a:defRPr sz="1200" b="0" i="0" u="none" strike="noStrike" cap="none" spc="0" baseline="0">
           <a:ln>
             <a:noFill/>
           </a:ln>
@@ -3125,7 +3226,7 @@
         <a:buFontTx/>
         <a:buNone/>
         <a:tabLst/>
-        <a:defRPr b="0" baseline="0" cap="none" i="0" spc="0" strike="noStrike" sz="1200" u="none">
+        <a:defRPr sz="1200" b="0" i="0" u="none" strike="noStrike" cap="none" spc="0" baseline="0">
           <a:ln>
             <a:noFill/>
           </a:ln>
@@ -3145,7 +3246,7 @@
 </file>
 
 <file path=ppt/slides/slide1.xml><?xml version="1.0" encoding="utf-8"?>
-<p:sld xmlns:a="http://schemas.openxmlformats.org/drawingml/2006/main" xmlns:r="http://schemas.openxmlformats.org/officeDocument/2006/relationships" xmlns:p="http://schemas.openxmlformats.org/presentationml/2006/main" showMasterSp="1" showMasterPhAnim="1">
+<p:sld xmlns:a="http://schemas.openxmlformats.org/drawingml/2006/main" xmlns:r="http://schemas.openxmlformats.org/officeDocument/2006/relationships" xmlns:p="http://schemas.openxmlformats.org/presentationml/2006/main">
   <p:cSld>
     <p:spTree>
       <p:nvGrpSpPr>
@@ -3164,7 +3265,9 @@
       <p:sp>
         <p:nvSpPr>
           <p:cNvPr id="89" name="Shape 89"/>
-          <p:cNvSpPr/>
+          <p:cNvSpPr>
+            <a:spLocks noGrp="1"/>
+          </p:cNvSpPr>
           <p:nvPr>
             <p:ph type="body" sz="quarter" idx="1"/>
           </p:nvPr>
@@ -3182,9 +3285,17 @@
             </a:lvl1pPr>
           </a:lstStyle>
           <a:p>
-            <a:pPr/>
-            <a:r>
-              <a:t>Christopher Sontag, Duc Hai Le, Nils Wendorff, Longxin Li</a:t>
+            <a:r>
+              <a:rPr dirty="0"/>
+              <a:t>Christopher Sontag, </a:t>
+            </a:r>
+            <a:r>
+              <a:rPr dirty="0" err="1"/>
+              <a:t>Duc</a:t>
+            </a:r>
+            <a:r>
+              <a:rPr dirty="0"/>
+              <a:t> Hai Le, Nils Wendorff, Longxin Li</a:t>
             </a:r>
           </a:p>
         </p:txBody>
@@ -3192,7 +3303,9 @@
       <p:sp>
         <p:nvSpPr>
           <p:cNvPr id="90" name="Shape 90"/>
-          <p:cNvSpPr/>
+          <p:cNvSpPr>
+            <a:spLocks noGrp="1"/>
+          </p:cNvSpPr>
           <p:nvPr>
             <p:ph type="title"/>
           </p:nvPr>
@@ -3203,31 +3316,54 @@
           </a:prstGeom>
         </p:spPr>
         <p:txBody>
-          <a:bodyPr/>
+          <a:bodyPr>
+            <a:normAutofit fontScale="90000"/>
+          </a:bodyPr>
           <a:lstStyle/>
           <a:p>
             <a:pPr algn="ctr">
               <a:defRPr sz="1800"/>
             </a:pPr>
             <a:r>
-              <a:t>Gruppe 5</a:t>
-            </a:r>
+              <a:rPr dirty="0" err="1"/>
+              <a:t>Gruppe</a:t>
+            </a:r>
+            <a:r>
+              <a:rPr dirty="0"/>
+              <a:t> </a:t>
+            </a:r>
+            <a:r>
+              <a:rPr lang="en-US" dirty="0" smtClean="0"/>
+              <a:t>8</a:t>
+            </a:r>
+            <a:endParaRPr dirty="0"/>
           </a:p>
           <a:p>
             <a:pPr algn="ctr">
               <a:defRPr sz="2600"/>
             </a:pPr>
             <a:r>
+              <a:rPr dirty="0"/>
               <a:t>Requirements Editor</a:t>
             </a:r>
           </a:p>
           <a:p>
             <a:pPr algn="ctr">
-              <a:defRPr b="0" sz="1400"/>
+              <a:defRPr sz="1400" b="0"/>
             </a:pPr>
             <a:r>
-              <a:t>Modellbasierte Softwareentwicklung</a:t>
-            </a:r>
+              <a:rPr dirty="0" err="1"/>
+              <a:t>Modellbasierte</a:t>
+            </a:r>
+            <a:r>
+              <a:rPr dirty="0"/>
+              <a:t> </a:t>
+            </a:r>
+            <a:r>
+              <a:rPr dirty="0" err="1"/>
+              <a:t>Softwareentwicklung</a:t>
+            </a:r>
+            <a:endParaRPr dirty="0"/>
           </a:p>
         </p:txBody>
       </p:sp>
@@ -3236,12 +3372,12 @@
   <p:clrMapOvr>
     <a:masterClrMapping/>
   </p:clrMapOvr>
-  <p:transition xmlns:p14="http://schemas.microsoft.com/office/powerpoint/2010/main" spd="med" advClick="1"/>
+  <p:transition spd="med"/>
 </p:sld>
 </file>
 
 <file path=ppt/slides/slide2.xml><?xml version="1.0" encoding="utf-8"?>
-<p:sld xmlns:a="http://schemas.openxmlformats.org/drawingml/2006/main" xmlns:r="http://schemas.openxmlformats.org/officeDocument/2006/relationships" xmlns:p="http://schemas.openxmlformats.org/presentationml/2006/main" showMasterSp="1" showMasterPhAnim="1">
+<p:sld xmlns:a="http://schemas.openxmlformats.org/drawingml/2006/main" xmlns:r="http://schemas.openxmlformats.org/officeDocument/2006/relationships" xmlns:p="http://schemas.openxmlformats.org/presentationml/2006/main">
   <p:cSld>
     <p:spTree>
       <p:nvGrpSpPr>
@@ -3289,13 +3425,16 @@
                 </a:solidFill>
               </a:defRPr>
             </a:pPr>
+            <a:endParaRPr/>
           </a:p>
         </p:txBody>
       </p:sp>
       <p:sp>
         <p:nvSpPr>
           <p:cNvPr id="93" name="Shape 93"/>
-          <p:cNvSpPr/>
+          <p:cNvSpPr>
+            <a:spLocks noGrp="1"/>
+          </p:cNvSpPr>
           <p:nvPr>
             <p:ph type="title"/>
           </p:nvPr>
@@ -3309,7 +3448,6 @@
           <a:bodyPr/>
           <a:lstStyle/>
           <a:p>
-            <a:pPr/>
             <a:r>
               <a:t>Requirements Editor - Model-2-Text</a:t>
             </a:r>
@@ -3319,7 +3457,9 @@
       <p:sp>
         <p:nvSpPr>
           <p:cNvPr id="94" name="Shape 94"/>
-          <p:cNvSpPr/>
+          <p:cNvSpPr>
+            <a:spLocks noGrp="1"/>
+          </p:cNvSpPr>
           <p:nvPr>
             <p:ph type="body" idx="1"/>
           </p:nvPr>
@@ -3352,11 +3492,13 @@
               </a:defRPr>
             </a:pPr>
             <a:r>
+              <a:rPr dirty="0" err="1"/>
               <a:t>Funktionen</a:t>
             </a:r>
-          </a:p>
-          <a:p>
-            <a:pPr lvl="2" marL="381000" indent="-188912">
+            <a:endParaRPr dirty="0"/>
+          </a:p>
+          <a:p>
+            <a:pPr marL="381000" lvl="2" indent="-188912">
               <a:spcBef>
                 <a:spcPts val="300"/>
               </a:spcBef>
@@ -3371,11 +3513,12 @@
               </a:defRPr>
             </a:pPr>
             <a:r>
+              <a:rPr dirty="0"/>
               <a:t>A</a:t>
             </a:r>
           </a:p>
           <a:p>
-            <a:pPr lvl="2" marL="381000" indent="-188912">
+            <a:pPr marL="381000" lvl="2" indent="-188912">
               <a:spcBef>
                 <a:spcPts val="300"/>
               </a:spcBef>
@@ -3390,11 +3533,12 @@
               </a:defRPr>
             </a:pPr>
             <a:r>
+              <a:rPr dirty="0"/>
               <a:t>B</a:t>
             </a:r>
           </a:p>
           <a:p>
-            <a:pPr lvl="2" marL="381000" indent="-188912">
+            <a:pPr marL="381000" lvl="2" indent="-188912">
               <a:spcBef>
                 <a:spcPts val="300"/>
               </a:spcBef>
@@ -3409,11 +3553,12 @@
               </a:defRPr>
             </a:pPr>
             <a:r>
+              <a:rPr dirty="0"/>
               <a:t>C</a:t>
             </a:r>
           </a:p>
           <a:p>
-            <a:pPr lvl="2" marL="381000" indent="-188912">
+            <a:pPr marL="381000" lvl="2" indent="-188912">
               <a:spcBef>
                 <a:spcPts val="300"/>
               </a:spcBef>
@@ -3428,11 +3573,12 @@
               </a:defRPr>
             </a:pPr>
             <a:r>
+              <a:rPr dirty="0"/>
               <a:t>D</a:t>
             </a:r>
           </a:p>
           <a:p>
-            <a:pPr lvl="2" marL="381000" indent="-188912">
+            <a:pPr marL="381000" lvl="2" indent="-188912">
               <a:spcBef>
                 <a:spcPts val="300"/>
               </a:spcBef>
@@ -3447,11 +3593,12 @@
               </a:defRPr>
             </a:pPr>
             <a:r>
+              <a:rPr dirty="0"/>
               <a:t>E</a:t>
             </a:r>
           </a:p>
           <a:p>
-            <a:pPr lvl="2" marL="381000" indent="-188912">
+            <a:pPr marL="381000" lvl="2" indent="-188912">
               <a:spcBef>
                 <a:spcPts val="300"/>
               </a:spcBef>
@@ -3466,6 +3613,7 @@
               </a:defRPr>
             </a:pPr>
             <a:r>
+              <a:rPr dirty="0"/>
               <a:t>F</a:t>
             </a:r>
           </a:p>
@@ -3476,12 +3624,12 @@
   <p:clrMapOvr>
     <a:masterClrMapping/>
   </p:clrMapOvr>
-  <p:transition xmlns:p14="http://schemas.microsoft.com/office/powerpoint/2010/main" spd="med" advClick="1"/>
+  <p:transition spd="med"/>
 </p:sld>
 </file>
 
 <file path=ppt/slides/slide3.xml><?xml version="1.0" encoding="utf-8"?>
-<p:sld xmlns:a="http://schemas.openxmlformats.org/drawingml/2006/main" xmlns:r="http://schemas.openxmlformats.org/officeDocument/2006/relationships" xmlns:p="http://schemas.openxmlformats.org/presentationml/2006/main" showMasterSp="1" showMasterPhAnim="1">
+<p:sld xmlns:a="http://schemas.openxmlformats.org/drawingml/2006/main" xmlns:r="http://schemas.openxmlformats.org/officeDocument/2006/relationships" xmlns:p="http://schemas.openxmlformats.org/presentationml/2006/main">
   <p:cSld>
     <p:spTree>
       <p:nvGrpSpPr>
@@ -3529,13 +3677,16 @@
                 </a:solidFill>
               </a:defRPr>
             </a:pPr>
+            <a:endParaRPr/>
           </a:p>
         </p:txBody>
       </p:sp>
       <p:sp>
         <p:nvSpPr>
           <p:cNvPr id="97" name="Shape 97"/>
-          <p:cNvSpPr/>
+          <p:cNvSpPr>
+            <a:spLocks noGrp="1"/>
+          </p:cNvSpPr>
           <p:nvPr>
             <p:ph type="title"/>
           </p:nvPr>
@@ -3549,7 +3700,6 @@
           <a:bodyPr/>
           <a:lstStyle/>
           <a:p>
-            <a:pPr/>
             <a:r>
               <a:t>Requirements Editor - Graphischer Editor</a:t>
             </a:r>
@@ -3559,7 +3709,9 @@
       <p:sp>
         <p:nvSpPr>
           <p:cNvPr id="98" name="Shape 98"/>
-          <p:cNvSpPr/>
+          <p:cNvSpPr>
+            <a:spLocks noGrp="1"/>
+          </p:cNvSpPr>
           <p:nvPr>
             <p:ph type="body" idx="1"/>
           </p:nvPr>
@@ -3596,7 +3748,7 @@
             </a:r>
           </a:p>
           <a:p>
-            <a:pPr lvl="2" marL="381000" indent="-188912">
+            <a:pPr marL="381000" lvl="2" indent="-188912">
               <a:spcBef>
                 <a:spcPts val="300"/>
               </a:spcBef>
@@ -3615,7 +3767,7 @@
             </a:r>
           </a:p>
           <a:p>
-            <a:pPr lvl="2" marL="381000" indent="-188912">
+            <a:pPr marL="381000" lvl="2" indent="-188912">
               <a:spcBef>
                 <a:spcPts val="300"/>
               </a:spcBef>
@@ -3634,7 +3786,7 @@
             </a:r>
           </a:p>
           <a:p>
-            <a:pPr lvl="2" marL="381000" indent="-188912">
+            <a:pPr marL="381000" lvl="2" indent="-188912">
               <a:spcBef>
                 <a:spcPts val="300"/>
               </a:spcBef>
@@ -3653,7 +3805,7 @@
             </a:r>
           </a:p>
           <a:p>
-            <a:pPr lvl="2" marL="381000" indent="-188912">
+            <a:pPr marL="381000" lvl="2" indent="-188912">
               <a:spcBef>
                 <a:spcPts val="300"/>
               </a:spcBef>
@@ -3672,7 +3824,7 @@
             </a:r>
           </a:p>
           <a:p>
-            <a:pPr lvl="2" marL="381000" indent="-188912">
+            <a:pPr marL="381000" lvl="2" indent="-188912">
               <a:spcBef>
                 <a:spcPts val="300"/>
               </a:spcBef>
@@ -3691,7 +3843,7 @@
             </a:r>
           </a:p>
           <a:p>
-            <a:pPr lvl="2" marL="381000" indent="-188912">
+            <a:pPr marL="381000" lvl="2" indent="-188912">
               <a:spcBef>
                 <a:spcPts val="300"/>
               </a:spcBef>
@@ -3716,12 +3868,12 @@
   <p:clrMapOvr>
     <a:masterClrMapping/>
   </p:clrMapOvr>
-  <p:transition xmlns:p14="http://schemas.microsoft.com/office/powerpoint/2010/main" spd="med" advClick="1"/>
+  <p:transition spd="med"/>
 </p:sld>
 </file>
 
 <file path=ppt/slides/slide4.xml><?xml version="1.0" encoding="utf-8"?>
-<p:sld xmlns:a="http://schemas.openxmlformats.org/drawingml/2006/main" xmlns:r="http://schemas.openxmlformats.org/officeDocument/2006/relationships" xmlns:p="http://schemas.openxmlformats.org/presentationml/2006/main" showMasterSp="1" showMasterPhAnim="1">
+<p:sld xmlns:a="http://schemas.openxmlformats.org/drawingml/2006/main" xmlns:r="http://schemas.openxmlformats.org/officeDocument/2006/relationships" xmlns:p="http://schemas.openxmlformats.org/presentationml/2006/main">
   <p:cSld>
     <p:spTree>
       <p:nvGrpSpPr>
@@ -3769,13 +3921,16 @@
                 </a:solidFill>
               </a:defRPr>
             </a:pPr>
+            <a:endParaRPr/>
           </a:p>
         </p:txBody>
       </p:sp>
       <p:sp>
         <p:nvSpPr>
           <p:cNvPr id="101" name="Shape 101"/>
-          <p:cNvSpPr/>
+          <p:cNvSpPr>
+            <a:spLocks noGrp="1"/>
+          </p:cNvSpPr>
           <p:nvPr>
             <p:ph type="title"/>
           </p:nvPr>
@@ -3789,7 +3944,6 @@
           <a:bodyPr/>
           <a:lstStyle/>
           <a:p>
-            <a:pPr/>
             <a:r>
               <a:t>Requirements Editor - Tree-Editor</a:t>
             </a:r>
@@ -3799,7 +3953,9 @@
       <p:sp>
         <p:nvSpPr>
           <p:cNvPr id="102" name="Shape 102"/>
-          <p:cNvSpPr/>
+          <p:cNvSpPr>
+            <a:spLocks noGrp="1"/>
+          </p:cNvSpPr>
           <p:nvPr>
             <p:ph type="body" idx="1"/>
           </p:nvPr>
@@ -3836,7 +3992,7 @@
             </a:r>
           </a:p>
           <a:p>
-            <a:pPr lvl="2" marL="381000" indent="-188912">
+            <a:pPr marL="381000" lvl="2" indent="-188912">
               <a:spcBef>
                 <a:spcPts val="300"/>
               </a:spcBef>
@@ -3855,7 +4011,7 @@
             </a:r>
           </a:p>
           <a:p>
-            <a:pPr lvl="2" marL="381000" indent="-188912">
+            <a:pPr marL="381000" lvl="2" indent="-188912">
               <a:spcBef>
                 <a:spcPts val="300"/>
               </a:spcBef>
@@ -3874,7 +4030,7 @@
             </a:r>
           </a:p>
           <a:p>
-            <a:pPr lvl="2" marL="381000" indent="-188912">
+            <a:pPr marL="381000" lvl="2" indent="-188912">
               <a:spcBef>
                 <a:spcPts val="300"/>
               </a:spcBef>
@@ -3893,7 +4049,7 @@
             </a:r>
           </a:p>
           <a:p>
-            <a:pPr lvl="2" marL="381000" indent="-188912">
+            <a:pPr marL="381000" lvl="2" indent="-188912">
               <a:spcBef>
                 <a:spcPts val="300"/>
               </a:spcBef>
@@ -3912,7 +4068,7 @@
             </a:r>
           </a:p>
           <a:p>
-            <a:pPr lvl="2" marL="381000" indent="-188912">
+            <a:pPr marL="381000" lvl="2" indent="-188912">
               <a:spcBef>
                 <a:spcPts val="300"/>
               </a:spcBef>
@@ -3931,7 +4087,7 @@
             </a:r>
           </a:p>
           <a:p>
-            <a:pPr lvl="2" marL="381000" indent="-188912">
+            <a:pPr marL="381000" lvl="2" indent="-188912">
               <a:spcBef>
                 <a:spcPts val="300"/>
               </a:spcBef>
@@ -3956,12 +4112,12 @@
   <p:clrMapOvr>
     <a:masterClrMapping/>
   </p:clrMapOvr>
-  <p:transition xmlns:p14="http://schemas.microsoft.com/office/powerpoint/2010/main" spd="med" advClick="1"/>
+  <p:transition spd="med"/>
 </p:sld>
 </file>
 
 <file path=ppt/slides/slide5.xml><?xml version="1.0" encoding="utf-8"?>
-<p:sld xmlns:a="http://schemas.openxmlformats.org/drawingml/2006/main" xmlns:r="http://schemas.openxmlformats.org/officeDocument/2006/relationships" xmlns:p="http://schemas.openxmlformats.org/presentationml/2006/main" showMasterSp="1" showMasterPhAnim="1">
+<p:sld xmlns:a="http://schemas.openxmlformats.org/drawingml/2006/main" xmlns:r="http://schemas.openxmlformats.org/officeDocument/2006/relationships" xmlns:p="http://schemas.openxmlformats.org/presentationml/2006/main">
   <p:cSld>
     <p:spTree>
       <p:nvGrpSpPr>
@@ -4009,13 +4165,16 @@
                 </a:solidFill>
               </a:defRPr>
             </a:pPr>
+            <a:endParaRPr/>
           </a:p>
         </p:txBody>
       </p:sp>
       <p:sp>
         <p:nvSpPr>
           <p:cNvPr id="105" name="Shape 105"/>
-          <p:cNvSpPr/>
+          <p:cNvSpPr>
+            <a:spLocks noGrp="1"/>
+          </p:cNvSpPr>
           <p:nvPr>
             <p:ph type="title"/>
           </p:nvPr>
@@ -4029,7 +4188,6 @@
           <a:bodyPr/>
           <a:lstStyle/>
           <a:p>
-            <a:pPr/>
             <a:r>
               <a:t>Requirements Editor - Textueller Editor</a:t>
             </a:r>
@@ -4039,7 +4197,9 @@
       <p:sp>
         <p:nvSpPr>
           <p:cNvPr id="106" name="Shape 106"/>
-          <p:cNvSpPr/>
+          <p:cNvSpPr>
+            <a:spLocks noGrp="1"/>
+          </p:cNvSpPr>
           <p:nvPr>
             <p:ph type="body" idx="1"/>
           </p:nvPr>
@@ -4076,7 +4236,7 @@
             </a:r>
           </a:p>
           <a:p>
-            <a:pPr lvl="2" marL="381000" indent="-188912">
+            <a:pPr marL="381000" lvl="2" indent="-188912">
               <a:spcBef>
                 <a:spcPts val="300"/>
               </a:spcBef>
@@ -4095,7 +4255,7 @@
             </a:r>
           </a:p>
           <a:p>
-            <a:pPr lvl="2" marL="381000" indent="-188912">
+            <a:pPr marL="381000" lvl="2" indent="-188912">
               <a:spcBef>
                 <a:spcPts val="300"/>
               </a:spcBef>
@@ -4114,7 +4274,7 @@
             </a:r>
           </a:p>
           <a:p>
-            <a:pPr lvl="2" marL="381000" indent="-188912">
+            <a:pPr marL="381000" lvl="2" indent="-188912">
               <a:spcBef>
                 <a:spcPts val="300"/>
               </a:spcBef>
@@ -4133,7 +4293,7 @@
             </a:r>
           </a:p>
           <a:p>
-            <a:pPr lvl="2" marL="381000" indent="-188912">
+            <a:pPr marL="381000" lvl="2" indent="-188912">
               <a:spcBef>
                 <a:spcPts val="300"/>
               </a:spcBef>
@@ -4152,7 +4312,7 @@
             </a:r>
           </a:p>
           <a:p>
-            <a:pPr lvl="2" marL="381000" indent="-188912">
+            <a:pPr marL="381000" lvl="2" indent="-188912">
               <a:spcBef>
                 <a:spcPts val="300"/>
               </a:spcBef>
@@ -4171,7 +4331,7 @@
             </a:r>
           </a:p>
           <a:p>
-            <a:pPr lvl="2" marL="381000" indent="-188912">
+            <a:pPr marL="381000" lvl="2" indent="-188912">
               <a:spcBef>
                 <a:spcPts val="300"/>
               </a:spcBef>
@@ -4196,12 +4356,12 @@
   <p:clrMapOvr>
     <a:masterClrMapping/>
   </p:clrMapOvr>
-  <p:transition xmlns:p14="http://schemas.microsoft.com/office/powerpoint/2010/main" spd="med" advClick="1"/>
+  <p:transition spd="med"/>
 </p:sld>
 </file>
 
 <file path=ppt/slides/slide6.xml><?xml version="1.0" encoding="utf-8"?>
-<p:sld xmlns:a="http://schemas.openxmlformats.org/drawingml/2006/main" xmlns:r="http://schemas.openxmlformats.org/officeDocument/2006/relationships" xmlns:p="http://schemas.openxmlformats.org/presentationml/2006/main" showMasterSp="1" showMasterPhAnim="1">
+<p:sld xmlns:a="http://schemas.openxmlformats.org/drawingml/2006/main" xmlns:r="http://schemas.openxmlformats.org/officeDocument/2006/relationships" xmlns:p="http://schemas.openxmlformats.org/presentationml/2006/main">
   <p:cSld>
     <p:spTree>
       <p:nvGrpSpPr>
@@ -4220,7 +4380,9 @@
       <p:sp>
         <p:nvSpPr>
           <p:cNvPr id="108" name="Shape 108"/>
-          <p:cNvSpPr/>
+          <p:cNvSpPr>
+            <a:spLocks noGrp="1"/>
+          </p:cNvSpPr>
           <p:nvPr>
             <p:ph type="title"/>
           </p:nvPr>
@@ -4234,7 +4396,6 @@
           <a:bodyPr/>
           <a:lstStyle/>
           <a:p>
-            <a:pPr/>
             <a:r>
               <a:t>Beispiel</a:t>
             </a:r>
@@ -4251,9 +4412,9 @@
           <a:off x="349344" y="1293870"/>
           <a:ext cx="8997809" cy="3950102"/>
         </p:xfrm>
-        <a:graphic xmlns:a="http://schemas.openxmlformats.org/drawingml/2006/main">
+        <a:graphic>
           <a:graphicData uri="http://schemas.openxmlformats.org/drawingml/2006/chart">
-            <c:chart xmlns:c="http://schemas.openxmlformats.org/drawingml/2006/chart" r:id="rId2"/>
+            <c:chart xmlns:c="http://schemas.openxmlformats.org/drawingml/2006/chart" xmlns:r="http://schemas.openxmlformats.org/officeDocument/2006/relationships" r:id="rId2"/>
           </a:graphicData>
         </a:graphic>
       </p:graphicFrame>
@@ -4262,12 +4423,12 @@
   <p:clrMapOvr>
     <a:masterClrMapping/>
   </p:clrMapOvr>
-  <p:transition xmlns:p14="http://schemas.microsoft.com/office/powerpoint/2010/main" spd="med" advClick="1"/>
+  <p:transition spd="med"/>
 </p:sld>
 </file>
 
 <file path=ppt/theme/theme1.xml><?xml version="1.0" encoding="utf-8"?>
-<a:theme xmlns:a="http://schemas.openxmlformats.org/drawingml/2006/main" xmlns:r="http://schemas.openxmlformats.org/officeDocument/2006/relationships" name="TUBraunschweig_PPT2007_Folienpool_pptx">
+<a:theme xmlns:a="http://schemas.openxmlformats.org/drawingml/2006/main" name="TUBraunschweig_PPT2007_Folienpool_pptx">
   <a:themeElements>
     <a:clrScheme name="TUBraunschweig_PPT2007_Folienpool_pptx">
       <a:dk1>
@@ -4399,7 +4560,7 @@
         </a:effectStyle>
         <a:effectStyle>
           <a:effectLst>
-            <a:outerShdw sx="100000" sy="100000" kx="0" ky="0" algn="b" rotWithShape="0" blurRad="38100" dist="30000" dir="5400000">
+            <a:outerShdw blurRad="38100" dist="30000" dir="5400000" rotWithShape="0">
               <a:srgbClr val="000000">
                 <a:alpha val="45000"/>
               </a:srgbClr>
@@ -4475,7 +4636,7 @@
         <a:effectLst/>
         <a:sp3d/>
       </a:spPr>
-      <a:bodyPr rot="0" spcFirstLastPara="1" vertOverflow="overflow" horzOverflow="overflow" vert="horz" wrap="square" lIns="45719" tIns="45719" rIns="45719" bIns="45719" numCol="1" spcCol="38100" rtlCol="0" anchor="ctr" upright="0">
+      <a:bodyPr rot="0" spcFirstLastPara="1" vertOverflow="overflow" horzOverflow="overflow" vert="horz" wrap="square" lIns="45719" tIns="45719" rIns="45719" bIns="45719" numCol="1" spcCol="38100" rtlCol="0" anchor="ctr">
         <a:spAutoFit/>
       </a:bodyPr>
       <a:lstStyle>
@@ -4494,7 +4655,7 @@
           <a:buFontTx/>
           <a:buNone/>
           <a:tabLst/>
-          <a:defRPr b="0" baseline="0" cap="none" i="0" spc="0" strike="noStrike" sz="1800" u="none" kumimoji="0" normalizeH="0">
+          <a:defRPr kumimoji="0" sz="1800" b="0" i="0" u="none" strike="noStrike" cap="none" spc="0" normalizeH="0" baseline="0">
             <a:ln>
               <a:noFill/>
             </a:ln>
@@ -4524,7 +4685,7 @@
           <a:buFontTx/>
           <a:buNone/>
           <a:tabLst/>
-          <a:defRPr b="0" baseline="0" cap="none" i="0" spc="0" strike="noStrike" sz="1800" u="none" kumimoji="0" normalizeH="0">
+          <a:defRPr kumimoji="0" sz="1800" b="0" i="0" u="none" strike="noStrike" cap="none" spc="0" normalizeH="0" baseline="0">
             <a:ln>
               <a:noFill/>
             </a:ln>
@@ -4550,7 +4711,7 @@
           <a:buFontTx/>
           <a:buNone/>
           <a:tabLst/>
-          <a:defRPr b="0" baseline="0" cap="none" i="0" spc="0" strike="noStrike" sz="1800" u="none" kumimoji="0" normalizeH="0">
+          <a:defRPr kumimoji="0" sz="1800" b="0" i="0" u="none" strike="noStrike" cap="none" spc="0" normalizeH="0" baseline="0">
             <a:ln>
               <a:noFill/>
             </a:ln>
@@ -4576,7 +4737,7 @@
           <a:buFontTx/>
           <a:buNone/>
           <a:tabLst/>
-          <a:defRPr b="0" baseline="0" cap="none" i="0" spc="0" strike="noStrike" sz="1800" u="none" kumimoji="0" normalizeH="0">
+          <a:defRPr kumimoji="0" sz="1800" b="0" i="0" u="none" strike="noStrike" cap="none" spc="0" normalizeH="0" baseline="0">
             <a:ln>
               <a:noFill/>
             </a:ln>
@@ -4602,7 +4763,7 @@
           <a:buFontTx/>
           <a:buNone/>
           <a:tabLst/>
-          <a:defRPr b="0" baseline="0" cap="none" i="0" spc="0" strike="noStrike" sz="1800" u="none" kumimoji="0" normalizeH="0">
+          <a:defRPr kumimoji="0" sz="1800" b="0" i="0" u="none" strike="noStrike" cap="none" spc="0" normalizeH="0" baseline="0">
             <a:ln>
               <a:noFill/>
             </a:ln>
@@ -4628,7 +4789,7 @@
           <a:buFontTx/>
           <a:buNone/>
           <a:tabLst/>
-          <a:defRPr b="0" baseline="0" cap="none" i="0" spc="0" strike="noStrike" sz="1800" u="none" kumimoji="0" normalizeH="0">
+          <a:defRPr kumimoji="0" sz="1800" b="0" i="0" u="none" strike="noStrike" cap="none" spc="0" normalizeH="0" baseline="0">
             <a:ln>
               <a:noFill/>
             </a:ln>
@@ -4654,7 +4815,7 @@
           <a:buFontTx/>
           <a:buNone/>
           <a:tabLst/>
-          <a:defRPr b="0" baseline="0" cap="none" i="0" spc="0" strike="noStrike" sz="1800" u="none" kumimoji="0" normalizeH="0">
+          <a:defRPr kumimoji="0" sz="1800" b="0" i="0" u="none" strike="noStrike" cap="none" spc="0" normalizeH="0" baseline="0">
             <a:ln>
               <a:noFill/>
             </a:ln>
@@ -4680,7 +4841,7 @@
           <a:buFontTx/>
           <a:buNone/>
           <a:tabLst/>
-          <a:defRPr b="0" baseline="0" cap="none" i="0" spc="0" strike="noStrike" sz="1800" u="none" kumimoji="0" normalizeH="0">
+          <a:defRPr kumimoji="0" sz="1800" b="0" i="0" u="none" strike="noStrike" cap="none" spc="0" normalizeH="0" baseline="0">
             <a:ln>
               <a:noFill/>
             </a:ln>
@@ -4706,7 +4867,7 @@
           <a:buFontTx/>
           <a:buNone/>
           <a:tabLst/>
-          <a:defRPr b="0" baseline="0" cap="none" i="0" spc="0" strike="noStrike" sz="1800" u="none" kumimoji="0" normalizeH="0">
+          <a:defRPr kumimoji="0" sz="1800" b="0" i="0" u="none" strike="noStrike" cap="none" spc="0" normalizeH="0" baseline="0">
             <a:ln>
               <a:noFill/>
             </a:ln>
@@ -4732,7 +4893,7 @@
           <a:buFontTx/>
           <a:buNone/>
           <a:tabLst/>
-          <a:defRPr b="0" baseline="0" cap="none" i="0" spc="0" strike="noStrike" sz="1800" u="none" kumimoji="0" normalizeH="0">
+          <a:defRPr kumimoji="0" sz="1800" b="0" i="0" u="none" strike="noStrike" cap="none" spc="0" normalizeH="0" baseline="0">
             <a:ln>
               <a:noFill/>
             </a:ln>
@@ -4745,9 +4906,15 @@
         </a:lvl9pPr>
       </a:lstStyle>
       <a:style>
-        <a:lnRef idx="0"/>
-        <a:fillRef idx="0"/>
-        <a:effectRef idx="0"/>
+        <a:lnRef idx="0">
+          <a:scrgbClr r="0" g="0" b="0"/>
+        </a:lnRef>
+        <a:fillRef idx="0">
+          <a:scrgbClr r="0" g="0" b="0"/>
+        </a:fillRef>
+        <a:effectRef idx="0">
+          <a:scrgbClr r="0" g="0" b="0"/>
+        </a:effectRef>
         <a:fontRef idx="none"/>
       </a:style>
     </a:spDef>
@@ -4762,7 +4929,7 @@
           <a:round/>
         </a:ln>
         <a:effectLst>
-          <a:outerShdw sx="100000" sy="100000" kx="0" ky="0" algn="b" rotWithShape="0" blurRad="38100" dist="30000" dir="5400000">
+          <a:outerShdw blurRad="38100" dist="30000" dir="5400000" rotWithShape="0">
             <a:srgbClr val="000000">
               <a:alpha val="45000"/>
             </a:srgbClr>
@@ -4770,7 +4937,7 @@
         </a:effectLst>
         <a:sp3d/>
       </a:spPr>
-      <a:bodyPr rot="0" spcFirstLastPara="1" vertOverflow="overflow" horzOverflow="overflow" vert="horz" wrap="square" lIns="91439" tIns="45719" rIns="91439" bIns="45719" numCol="1" spcCol="38100" rtlCol="0" anchor="t" upright="0">
+      <a:bodyPr rot="0" spcFirstLastPara="1" vertOverflow="overflow" horzOverflow="overflow" vert="horz" wrap="square" lIns="91439" tIns="45719" rIns="91439" bIns="45719" numCol="1" spcCol="38100" rtlCol="0" anchor="t">
         <a:noAutofit/>
       </a:bodyPr>
       <a:lstStyle>
@@ -4789,7 +4956,7 @@
           <a:buFontTx/>
           <a:buNone/>
           <a:tabLst/>
-          <a:defRPr b="0" baseline="0" cap="none" i="0" spc="0" strike="noStrike" sz="1800" u="none" kumimoji="0" normalizeH="0">
+          <a:defRPr kumimoji="0" sz="1800" b="0" i="0" u="none" strike="noStrike" cap="none" spc="0" normalizeH="0" baseline="0">
             <a:ln>
               <a:noFill/>
             </a:ln>
@@ -4815,7 +4982,7 @@
           <a:buFontTx/>
           <a:buNone/>
           <a:tabLst/>
-          <a:defRPr b="0" baseline="0" cap="none" i="0" spc="0" strike="noStrike" sz="1800" u="none" kumimoji="0" normalizeH="0">
+          <a:defRPr kumimoji="0" sz="1800" b="0" i="0" u="none" strike="noStrike" cap="none" spc="0" normalizeH="0" baseline="0">
             <a:ln>
               <a:noFill/>
             </a:ln>
@@ -4841,7 +5008,7 @@
           <a:buFontTx/>
           <a:buNone/>
           <a:tabLst/>
-          <a:defRPr b="0" baseline="0" cap="none" i="0" spc="0" strike="noStrike" sz="1800" u="none" kumimoji="0" normalizeH="0">
+          <a:defRPr kumimoji="0" sz="1800" b="0" i="0" u="none" strike="noStrike" cap="none" spc="0" normalizeH="0" baseline="0">
             <a:ln>
               <a:noFill/>
             </a:ln>
@@ -4867,7 +5034,7 @@
           <a:buFontTx/>
           <a:buNone/>
           <a:tabLst/>
-          <a:defRPr b="0" baseline="0" cap="none" i="0" spc="0" strike="noStrike" sz="1800" u="none" kumimoji="0" normalizeH="0">
+          <a:defRPr kumimoji="0" sz="1800" b="0" i="0" u="none" strike="noStrike" cap="none" spc="0" normalizeH="0" baseline="0">
             <a:ln>
               <a:noFill/>
             </a:ln>
@@ -4893,7 +5060,7 @@
           <a:buFontTx/>
           <a:buNone/>
           <a:tabLst/>
-          <a:defRPr b="0" baseline="0" cap="none" i="0" spc="0" strike="noStrike" sz="1800" u="none" kumimoji="0" normalizeH="0">
+          <a:defRPr kumimoji="0" sz="1800" b="0" i="0" u="none" strike="noStrike" cap="none" spc="0" normalizeH="0" baseline="0">
             <a:ln>
               <a:noFill/>
             </a:ln>
@@ -4919,7 +5086,7 @@
           <a:buFontTx/>
           <a:buNone/>
           <a:tabLst/>
-          <a:defRPr b="0" baseline="0" cap="none" i="0" spc="0" strike="noStrike" sz="1800" u="none" kumimoji="0" normalizeH="0">
+          <a:defRPr kumimoji="0" sz="1800" b="0" i="0" u="none" strike="noStrike" cap="none" spc="0" normalizeH="0" baseline="0">
             <a:ln>
               <a:noFill/>
             </a:ln>
@@ -4945,7 +5112,7 @@
           <a:buFontTx/>
           <a:buNone/>
           <a:tabLst/>
-          <a:defRPr b="0" baseline="0" cap="none" i="0" spc="0" strike="noStrike" sz="1800" u="none" kumimoji="0" normalizeH="0">
+          <a:defRPr kumimoji="0" sz="1800" b="0" i="0" u="none" strike="noStrike" cap="none" spc="0" normalizeH="0" baseline="0">
             <a:ln>
               <a:noFill/>
             </a:ln>
@@ -4971,7 +5138,7 @@
           <a:buFontTx/>
           <a:buNone/>
           <a:tabLst/>
-          <a:defRPr b="0" baseline="0" cap="none" i="0" spc="0" strike="noStrike" sz="1800" u="none" kumimoji="0" normalizeH="0">
+          <a:defRPr kumimoji="0" sz="1800" b="0" i="0" u="none" strike="noStrike" cap="none" spc="0" normalizeH="0" baseline="0">
             <a:ln>
               <a:noFill/>
             </a:ln>
@@ -4997,7 +5164,7 @@
           <a:buFontTx/>
           <a:buNone/>
           <a:tabLst/>
-          <a:defRPr b="0" baseline="0" cap="none" i="0" spc="0" strike="noStrike" sz="1800" u="none" kumimoji="0" normalizeH="0">
+          <a:defRPr kumimoji="0" sz="1800" b="0" i="0" u="none" strike="noStrike" cap="none" spc="0" normalizeH="0" baseline="0">
             <a:ln>
               <a:noFill/>
             </a:ln>
@@ -5023,7 +5190,7 @@
           <a:buFontTx/>
           <a:buNone/>
           <a:tabLst/>
-          <a:defRPr b="0" baseline="0" cap="none" i="0" spc="0" strike="noStrike" sz="1800" u="none" kumimoji="0" normalizeH="0">
+          <a:defRPr kumimoji="0" sz="1800" b="0" i="0" u="none" strike="noStrike" cap="none" spc="0" normalizeH="0" baseline="0">
             <a:ln>
               <a:noFill/>
             </a:ln>
@@ -5036,9 +5203,15 @@
         </a:lvl9pPr>
       </a:lstStyle>
       <a:style>
-        <a:lnRef idx="0"/>
-        <a:fillRef idx="0"/>
-        <a:effectRef idx="0"/>
+        <a:lnRef idx="0">
+          <a:scrgbClr r="0" g="0" b="0"/>
+        </a:lnRef>
+        <a:fillRef idx="0">
+          <a:scrgbClr r="0" g="0" b="0"/>
+        </a:fillRef>
+        <a:effectRef idx="0">
+          <a:scrgbClr r="0" g="0" b="0"/>
+        </a:effectRef>
         <a:fontRef idx="none"/>
       </a:style>
     </a:lnDef>
@@ -5052,7 +5225,7 @@
         <a:effectLst/>
         <a:sp3d/>
       </a:spPr>
-      <a:bodyPr rot="0" spcFirstLastPara="1" vertOverflow="overflow" horzOverflow="overflow" vert="horz" wrap="square" lIns="45719" tIns="45719" rIns="45719" bIns="45719" numCol="1" spcCol="38100" rtlCol="0" anchor="t" upright="0">
+      <a:bodyPr rot="0" spcFirstLastPara="1" vertOverflow="overflow" horzOverflow="overflow" vert="horz" wrap="square" lIns="45719" tIns="45719" rIns="45719" bIns="45719" numCol="1" spcCol="38100" rtlCol="0" anchor="t">
         <a:spAutoFit/>
       </a:bodyPr>
       <a:lstStyle>
@@ -5071,7 +5244,7 @@
           <a:buFontTx/>
           <a:buNone/>
           <a:tabLst/>
-          <a:defRPr b="0" baseline="0" cap="none" i="0" spc="0" strike="noStrike" sz="1800" u="none" kumimoji="0" normalizeH="0">
+          <a:defRPr kumimoji="0" sz="1800" b="0" i="0" u="none" strike="noStrike" cap="none" spc="0" normalizeH="0" baseline="0">
             <a:ln>
               <a:noFill/>
             </a:ln>
@@ -5101,7 +5274,7 @@
           <a:buFontTx/>
           <a:buNone/>
           <a:tabLst/>
-          <a:defRPr b="0" baseline="0" cap="none" i="0" spc="0" strike="noStrike" sz="1800" u="none" kumimoji="0" normalizeH="0">
+          <a:defRPr kumimoji="0" sz="1800" b="0" i="0" u="none" strike="noStrike" cap="none" spc="0" normalizeH="0" baseline="0">
             <a:ln>
               <a:noFill/>
             </a:ln>
@@ -5127,7 +5300,7 @@
           <a:buFontTx/>
           <a:buNone/>
           <a:tabLst/>
-          <a:defRPr b="0" baseline="0" cap="none" i="0" spc="0" strike="noStrike" sz="1800" u="none" kumimoji="0" normalizeH="0">
+          <a:defRPr kumimoji="0" sz="1800" b="0" i="0" u="none" strike="noStrike" cap="none" spc="0" normalizeH="0" baseline="0">
             <a:ln>
               <a:noFill/>
             </a:ln>
@@ -5153,7 +5326,7 @@
           <a:buFontTx/>
           <a:buNone/>
           <a:tabLst/>
-          <a:defRPr b="0" baseline="0" cap="none" i="0" spc="0" strike="noStrike" sz="1800" u="none" kumimoji="0" normalizeH="0">
+          <a:defRPr kumimoji="0" sz="1800" b="0" i="0" u="none" strike="noStrike" cap="none" spc="0" normalizeH="0" baseline="0">
             <a:ln>
               <a:noFill/>
             </a:ln>
@@ -5179,7 +5352,7 @@
           <a:buFontTx/>
           <a:buNone/>
           <a:tabLst/>
-          <a:defRPr b="0" baseline="0" cap="none" i="0" spc="0" strike="noStrike" sz="1800" u="none" kumimoji="0" normalizeH="0">
+          <a:defRPr kumimoji="0" sz="1800" b="0" i="0" u="none" strike="noStrike" cap="none" spc="0" normalizeH="0" baseline="0">
             <a:ln>
               <a:noFill/>
             </a:ln>
@@ -5205,7 +5378,7 @@
           <a:buFontTx/>
           <a:buNone/>
           <a:tabLst/>
-          <a:defRPr b="0" baseline="0" cap="none" i="0" spc="0" strike="noStrike" sz="1800" u="none" kumimoji="0" normalizeH="0">
+          <a:defRPr kumimoji="0" sz="1800" b="0" i="0" u="none" strike="noStrike" cap="none" spc="0" normalizeH="0" baseline="0">
             <a:ln>
               <a:noFill/>
             </a:ln>
@@ -5231,7 +5404,7 @@
           <a:buFontTx/>
           <a:buNone/>
           <a:tabLst/>
-          <a:defRPr b="0" baseline="0" cap="none" i="0" spc="0" strike="noStrike" sz="1800" u="none" kumimoji="0" normalizeH="0">
+          <a:defRPr kumimoji="0" sz="1800" b="0" i="0" u="none" strike="noStrike" cap="none" spc="0" normalizeH="0" baseline="0">
             <a:ln>
               <a:noFill/>
             </a:ln>
@@ -5257,7 +5430,7 @@
           <a:buFontTx/>
           <a:buNone/>
           <a:tabLst/>
-          <a:defRPr b="0" baseline="0" cap="none" i="0" spc="0" strike="noStrike" sz="1800" u="none" kumimoji="0" normalizeH="0">
+          <a:defRPr kumimoji="0" sz="1800" b="0" i="0" u="none" strike="noStrike" cap="none" spc="0" normalizeH="0" baseline="0">
             <a:ln>
               <a:noFill/>
             </a:ln>
@@ -5283,7 +5456,7 @@
           <a:buFontTx/>
           <a:buNone/>
           <a:tabLst/>
-          <a:defRPr b="0" baseline="0" cap="none" i="0" spc="0" strike="noStrike" sz="1800" u="none" kumimoji="0" normalizeH="0">
+          <a:defRPr kumimoji="0" sz="1800" b="0" i="0" u="none" strike="noStrike" cap="none" spc="0" normalizeH="0" baseline="0">
             <a:ln>
               <a:noFill/>
             </a:ln>
@@ -5309,7 +5482,7 @@
           <a:buFontTx/>
           <a:buNone/>
           <a:tabLst/>
-          <a:defRPr b="0" baseline="0" cap="none" i="0" spc="0" strike="noStrike" sz="1800" u="none" kumimoji="0" normalizeH="0">
+          <a:defRPr kumimoji="0" sz="1800" b="0" i="0" u="none" strike="noStrike" cap="none" spc="0" normalizeH="0" baseline="0">
             <a:ln>
               <a:noFill/>
             </a:ln>
@@ -5322,18 +5495,25 @@
         </a:lvl9pPr>
       </a:lstStyle>
       <a:style>
-        <a:lnRef idx="0"/>
-        <a:fillRef idx="0"/>
-        <a:effectRef idx="0"/>
+        <a:lnRef idx="0">
+          <a:scrgbClr r="0" g="0" b="0"/>
+        </a:lnRef>
+        <a:fillRef idx="0">
+          <a:scrgbClr r="0" g="0" b="0"/>
+        </a:fillRef>
+        <a:effectRef idx="0">
+          <a:scrgbClr r="0" g="0" b="0"/>
+        </a:effectRef>
         <a:fontRef idx="none"/>
       </a:style>
     </a:txDef>
   </a:objectDefaults>
+  <a:extraClrSchemeLst/>
 </a:theme>
 </file>
 
 <file path=ppt/theme/theme2.xml><?xml version="1.0" encoding="utf-8"?>
-<a:theme xmlns:a="http://schemas.openxmlformats.org/drawingml/2006/main" xmlns:r="http://schemas.openxmlformats.org/officeDocument/2006/relationships" name="TUBraunschweig_PPT2007_Folienpool_pptx">
+<a:theme xmlns:a="http://schemas.openxmlformats.org/drawingml/2006/main" name="TUBraunschweig_PPT2007_Folienpool_pptx">
   <a:themeElements>
     <a:clrScheme name="TUBraunschweig_PPT2007_Folienpool_pptx">
       <a:dk1>
@@ -5465,7 +5645,7 @@
         </a:effectStyle>
         <a:effectStyle>
           <a:effectLst>
-            <a:outerShdw sx="100000" sy="100000" kx="0" ky="0" algn="b" rotWithShape="0" blurRad="38100" dist="30000" dir="5400000">
+            <a:outerShdw blurRad="38100" dist="30000" dir="5400000" rotWithShape="0">
               <a:srgbClr val="000000">
                 <a:alpha val="45000"/>
               </a:srgbClr>
@@ -5541,7 +5721,7 @@
         <a:effectLst/>
         <a:sp3d/>
       </a:spPr>
-      <a:bodyPr rot="0" spcFirstLastPara="1" vertOverflow="overflow" horzOverflow="overflow" vert="horz" wrap="square" lIns="45719" tIns="45719" rIns="45719" bIns="45719" numCol="1" spcCol="38100" rtlCol="0" anchor="ctr" upright="0">
+      <a:bodyPr rot="0" spcFirstLastPara="1" vertOverflow="overflow" horzOverflow="overflow" vert="horz" wrap="square" lIns="45719" tIns="45719" rIns="45719" bIns="45719" numCol="1" spcCol="38100" rtlCol="0" anchor="ctr">
         <a:spAutoFit/>
       </a:bodyPr>
       <a:lstStyle>
@@ -5560,7 +5740,7 @@
           <a:buFontTx/>
           <a:buNone/>
           <a:tabLst/>
-          <a:defRPr b="0" baseline="0" cap="none" i="0" spc="0" strike="noStrike" sz="1800" u="none" kumimoji="0" normalizeH="0">
+          <a:defRPr kumimoji="0" sz="1800" b="0" i="0" u="none" strike="noStrike" cap="none" spc="0" normalizeH="0" baseline="0">
             <a:ln>
               <a:noFill/>
             </a:ln>
@@ -5590,7 +5770,7 @@
           <a:buFontTx/>
           <a:buNone/>
           <a:tabLst/>
-          <a:defRPr b="0" baseline="0" cap="none" i="0" spc="0" strike="noStrike" sz="1800" u="none" kumimoji="0" normalizeH="0">
+          <a:defRPr kumimoji="0" sz="1800" b="0" i="0" u="none" strike="noStrike" cap="none" spc="0" normalizeH="0" baseline="0">
             <a:ln>
               <a:noFill/>
             </a:ln>
@@ -5616,7 +5796,7 @@
           <a:buFontTx/>
           <a:buNone/>
           <a:tabLst/>
-          <a:defRPr b="0" baseline="0" cap="none" i="0" spc="0" strike="noStrike" sz="1800" u="none" kumimoji="0" normalizeH="0">
+          <a:defRPr kumimoji="0" sz="1800" b="0" i="0" u="none" strike="noStrike" cap="none" spc="0" normalizeH="0" baseline="0">
             <a:ln>
               <a:noFill/>
             </a:ln>
@@ -5642,7 +5822,7 @@
           <a:buFontTx/>
           <a:buNone/>
           <a:tabLst/>
-          <a:defRPr b="0" baseline="0" cap="none" i="0" spc="0" strike="noStrike" sz="1800" u="none" kumimoji="0" normalizeH="0">
+          <a:defRPr kumimoji="0" sz="1800" b="0" i="0" u="none" strike="noStrike" cap="none" spc="0" normalizeH="0" baseline="0">
             <a:ln>
               <a:noFill/>
             </a:ln>
@@ -5668,7 +5848,7 @@
           <a:buFontTx/>
           <a:buNone/>
           <a:tabLst/>
-          <a:defRPr b="0" baseline="0" cap="none" i="0" spc="0" strike="noStrike" sz="1800" u="none" kumimoji="0" normalizeH="0">
+          <a:defRPr kumimoji="0" sz="1800" b="0" i="0" u="none" strike="noStrike" cap="none" spc="0" normalizeH="0" baseline="0">
             <a:ln>
               <a:noFill/>
             </a:ln>
@@ -5694,7 +5874,7 @@
           <a:buFontTx/>
           <a:buNone/>
           <a:tabLst/>
-          <a:defRPr b="0" baseline="0" cap="none" i="0" spc="0" strike="noStrike" sz="1800" u="none" kumimoji="0" normalizeH="0">
+          <a:defRPr kumimoji="0" sz="1800" b="0" i="0" u="none" strike="noStrike" cap="none" spc="0" normalizeH="0" baseline="0">
             <a:ln>
               <a:noFill/>
             </a:ln>
@@ -5720,7 +5900,7 @@
           <a:buFontTx/>
           <a:buNone/>
           <a:tabLst/>
-          <a:defRPr b="0" baseline="0" cap="none" i="0" spc="0" strike="noStrike" sz="1800" u="none" kumimoji="0" normalizeH="0">
+          <a:defRPr kumimoji="0" sz="1800" b="0" i="0" u="none" strike="noStrike" cap="none" spc="0" normalizeH="0" baseline="0">
             <a:ln>
               <a:noFill/>
             </a:ln>
@@ -5746,7 +5926,7 @@
           <a:buFontTx/>
           <a:buNone/>
           <a:tabLst/>
-          <a:defRPr b="0" baseline="0" cap="none" i="0" spc="0" strike="noStrike" sz="1800" u="none" kumimoji="0" normalizeH="0">
+          <a:defRPr kumimoji="0" sz="1800" b="0" i="0" u="none" strike="noStrike" cap="none" spc="0" normalizeH="0" baseline="0">
             <a:ln>
               <a:noFill/>
             </a:ln>
@@ -5772,7 +5952,7 @@
           <a:buFontTx/>
           <a:buNone/>
           <a:tabLst/>
-          <a:defRPr b="0" baseline="0" cap="none" i="0" spc="0" strike="noStrike" sz="1800" u="none" kumimoji="0" normalizeH="0">
+          <a:defRPr kumimoji="0" sz="1800" b="0" i="0" u="none" strike="noStrike" cap="none" spc="0" normalizeH="0" baseline="0">
             <a:ln>
               <a:noFill/>
             </a:ln>
@@ -5798,7 +5978,7 @@
           <a:buFontTx/>
           <a:buNone/>
           <a:tabLst/>
-          <a:defRPr b="0" baseline="0" cap="none" i="0" spc="0" strike="noStrike" sz="1800" u="none" kumimoji="0" normalizeH="0">
+          <a:defRPr kumimoji="0" sz="1800" b="0" i="0" u="none" strike="noStrike" cap="none" spc="0" normalizeH="0" baseline="0">
             <a:ln>
               <a:noFill/>
             </a:ln>
@@ -5811,9 +5991,15 @@
         </a:lvl9pPr>
       </a:lstStyle>
       <a:style>
-        <a:lnRef idx="0"/>
-        <a:fillRef idx="0"/>
-        <a:effectRef idx="0"/>
+        <a:lnRef idx="0">
+          <a:scrgbClr r="0" g="0" b="0"/>
+        </a:lnRef>
+        <a:fillRef idx="0">
+          <a:scrgbClr r="0" g="0" b="0"/>
+        </a:fillRef>
+        <a:effectRef idx="0">
+          <a:scrgbClr r="0" g="0" b="0"/>
+        </a:effectRef>
         <a:fontRef idx="none"/>
       </a:style>
     </a:spDef>
@@ -5828,7 +6014,7 @@
           <a:round/>
         </a:ln>
         <a:effectLst>
-          <a:outerShdw sx="100000" sy="100000" kx="0" ky="0" algn="b" rotWithShape="0" blurRad="38100" dist="30000" dir="5400000">
+          <a:outerShdw blurRad="38100" dist="30000" dir="5400000" rotWithShape="0">
             <a:srgbClr val="000000">
               <a:alpha val="45000"/>
             </a:srgbClr>
@@ -5836,7 +6022,7 @@
         </a:effectLst>
         <a:sp3d/>
       </a:spPr>
-      <a:bodyPr rot="0" spcFirstLastPara="1" vertOverflow="overflow" horzOverflow="overflow" vert="horz" wrap="square" lIns="91439" tIns="45719" rIns="91439" bIns="45719" numCol="1" spcCol="38100" rtlCol="0" anchor="t" upright="0">
+      <a:bodyPr rot="0" spcFirstLastPara="1" vertOverflow="overflow" horzOverflow="overflow" vert="horz" wrap="square" lIns="91439" tIns="45719" rIns="91439" bIns="45719" numCol="1" spcCol="38100" rtlCol="0" anchor="t">
         <a:noAutofit/>
       </a:bodyPr>
       <a:lstStyle>
@@ -5855,7 +6041,7 @@
           <a:buFontTx/>
           <a:buNone/>
           <a:tabLst/>
-          <a:defRPr b="0" baseline="0" cap="none" i="0" spc="0" strike="noStrike" sz="1800" u="none" kumimoji="0" normalizeH="0">
+          <a:defRPr kumimoji="0" sz="1800" b="0" i="0" u="none" strike="noStrike" cap="none" spc="0" normalizeH="0" baseline="0">
             <a:ln>
               <a:noFill/>
             </a:ln>
@@ -5881,7 +6067,7 @@
           <a:buFontTx/>
           <a:buNone/>
           <a:tabLst/>
-          <a:defRPr b="0" baseline="0" cap="none" i="0" spc="0" strike="noStrike" sz="1800" u="none" kumimoji="0" normalizeH="0">
+          <a:defRPr kumimoji="0" sz="1800" b="0" i="0" u="none" strike="noStrike" cap="none" spc="0" normalizeH="0" baseline="0">
             <a:ln>
               <a:noFill/>
             </a:ln>
@@ -5907,7 +6093,7 @@
           <a:buFontTx/>
           <a:buNone/>
           <a:tabLst/>
-          <a:defRPr b="0" baseline="0" cap="none" i="0" spc="0" strike="noStrike" sz="1800" u="none" kumimoji="0" normalizeH="0">
+          <a:defRPr kumimoji="0" sz="1800" b="0" i="0" u="none" strike="noStrike" cap="none" spc="0" normalizeH="0" baseline="0">
             <a:ln>
               <a:noFill/>
             </a:ln>
@@ -5933,7 +6119,7 @@
           <a:buFontTx/>
           <a:buNone/>
           <a:tabLst/>
-          <a:defRPr b="0" baseline="0" cap="none" i="0" spc="0" strike="noStrike" sz="1800" u="none" kumimoji="0" normalizeH="0">
+          <a:defRPr kumimoji="0" sz="1800" b="0" i="0" u="none" strike="noStrike" cap="none" spc="0" normalizeH="0" baseline="0">
             <a:ln>
               <a:noFill/>
             </a:ln>
@@ -5959,7 +6145,7 @@
           <a:buFontTx/>
           <a:buNone/>
           <a:tabLst/>
-          <a:defRPr b="0" baseline="0" cap="none" i="0" spc="0" strike="noStrike" sz="1800" u="none" kumimoji="0" normalizeH="0">
+          <a:defRPr kumimoji="0" sz="1800" b="0" i="0" u="none" strike="noStrike" cap="none" spc="0" normalizeH="0" baseline="0">
             <a:ln>
               <a:noFill/>
             </a:ln>
@@ -5985,7 +6171,7 @@
           <a:buFontTx/>
           <a:buNone/>
           <a:tabLst/>
-          <a:defRPr b="0" baseline="0" cap="none" i="0" spc="0" strike="noStrike" sz="1800" u="none" kumimoji="0" normalizeH="0">
+          <a:defRPr kumimoji="0" sz="1800" b="0" i="0" u="none" strike="noStrike" cap="none" spc="0" normalizeH="0" baseline="0">
             <a:ln>
               <a:noFill/>
             </a:ln>
@@ -6011,7 +6197,7 @@
           <a:buFontTx/>
           <a:buNone/>
           <a:tabLst/>
-          <a:defRPr b="0" baseline="0" cap="none" i="0" spc="0" strike="noStrike" sz="1800" u="none" kumimoji="0" normalizeH="0">
+          <a:defRPr kumimoji="0" sz="1800" b="0" i="0" u="none" strike="noStrike" cap="none" spc="0" normalizeH="0" baseline="0">
             <a:ln>
               <a:noFill/>
             </a:ln>
@@ -6037,7 +6223,7 @@
           <a:buFontTx/>
           <a:buNone/>
           <a:tabLst/>
-          <a:defRPr b="0" baseline="0" cap="none" i="0" spc="0" strike="noStrike" sz="1800" u="none" kumimoji="0" normalizeH="0">
+          <a:defRPr kumimoji="0" sz="1800" b="0" i="0" u="none" strike="noStrike" cap="none" spc="0" normalizeH="0" baseline="0">
             <a:ln>
               <a:noFill/>
             </a:ln>
@@ -6063,7 +6249,7 @@
           <a:buFontTx/>
           <a:buNone/>
           <a:tabLst/>
-          <a:defRPr b="0" baseline="0" cap="none" i="0" spc="0" strike="noStrike" sz="1800" u="none" kumimoji="0" normalizeH="0">
+          <a:defRPr kumimoji="0" sz="1800" b="0" i="0" u="none" strike="noStrike" cap="none" spc="0" normalizeH="0" baseline="0">
             <a:ln>
               <a:noFill/>
             </a:ln>
@@ -6089,7 +6275,7 @@
           <a:buFontTx/>
           <a:buNone/>
           <a:tabLst/>
-          <a:defRPr b="0" baseline="0" cap="none" i="0" spc="0" strike="noStrike" sz="1800" u="none" kumimoji="0" normalizeH="0">
+          <a:defRPr kumimoji="0" sz="1800" b="0" i="0" u="none" strike="noStrike" cap="none" spc="0" normalizeH="0" baseline="0">
             <a:ln>
               <a:noFill/>
             </a:ln>
@@ -6102,9 +6288,15 @@
         </a:lvl9pPr>
       </a:lstStyle>
       <a:style>
-        <a:lnRef idx="0"/>
-        <a:fillRef idx="0"/>
-        <a:effectRef idx="0"/>
+        <a:lnRef idx="0">
+          <a:scrgbClr r="0" g="0" b="0"/>
+        </a:lnRef>
+        <a:fillRef idx="0">
+          <a:scrgbClr r="0" g="0" b="0"/>
+        </a:fillRef>
+        <a:effectRef idx="0">
+          <a:scrgbClr r="0" g="0" b="0"/>
+        </a:effectRef>
         <a:fontRef idx="none"/>
       </a:style>
     </a:lnDef>
@@ -6118,7 +6310,7 @@
         <a:effectLst/>
         <a:sp3d/>
       </a:spPr>
-      <a:bodyPr rot="0" spcFirstLastPara="1" vertOverflow="overflow" horzOverflow="overflow" vert="horz" wrap="square" lIns="45719" tIns="45719" rIns="45719" bIns="45719" numCol="1" spcCol="38100" rtlCol="0" anchor="t" upright="0">
+      <a:bodyPr rot="0" spcFirstLastPara="1" vertOverflow="overflow" horzOverflow="overflow" vert="horz" wrap="square" lIns="45719" tIns="45719" rIns="45719" bIns="45719" numCol="1" spcCol="38100" rtlCol="0" anchor="t">
         <a:spAutoFit/>
       </a:bodyPr>
       <a:lstStyle>
@@ -6137,7 +6329,7 @@
           <a:buFontTx/>
           <a:buNone/>
           <a:tabLst/>
-          <a:defRPr b="0" baseline="0" cap="none" i="0" spc="0" strike="noStrike" sz="1800" u="none" kumimoji="0" normalizeH="0">
+          <a:defRPr kumimoji="0" sz="1800" b="0" i="0" u="none" strike="noStrike" cap="none" spc="0" normalizeH="0" baseline="0">
             <a:ln>
               <a:noFill/>
             </a:ln>
@@ -6167,7 +6359,7 @@
           <a:buFontTx/>
           <a:buNone/>
           <a:tabLst/>
-          <a:defRPr b="0" baseline="0" cap="none" i="0" spc="0" strike="noStrike" sz="1800" u="none" kumimoji="0" normalizeH="0">
+          <a:defRPr kumimoji="0" sz="1800" b="0" i="0" u="none" strike="noStrike" cap="none" spc="0" normalizeH="0" baseline="0">
             <a:ln>
               <a:noFill/>
             </a:ln>
@@ -6193,7 +6385,7 @@
           <a:buFontTx/>
           <a:buNone/>
           <a:tabLst/>
-          <a:defRPr b="0" baseline="0" cap="none" i="0" spc="0" strike="noStrike" sz="1800" u="none" kumimoji="0" normalizeH="0">
+          <a:defRPr kumimoji="0" sz="1800" b="0" i="0" u="none" strike="noStrike" cap="none" spc="0" normalizeH="0" baseline="0">
             <a:ln>
               <a:noFill/>
             </a:ln>
@@ -6219,7 +6411,7 @@
           <a:buFontTx/>
           <a:buNone/>
           <a:tabLst/>
-          <a:defRPr b="0" baseline="0" cap="none" i="0" spc="0" strike="noStrike" sz="1800" u="none" kumimoji="0" normalizeH="0">
+          <a:defRPr kumimoji="0" sz="1800" b="0" i="0" u="none" strike="noStrike" cap="none" spc="0" normalizeH="0" baseline="0">
             <a:ln>
               <a:noFill/>
             </a:ln>
@@ -6245,7 +6437,7 @@
           <a:buFontTx/>
           <a:buNone/>
           <a:tabLst/>
-          <a:defRPr b="0" baseline="0" cap="none" i="0" spc="0" strike="noStrike" sz="1800" u="none" kumimoji="0" normalizeH="0">
+          <a:defRPr kumimoji="0" sz="1800" b="0" i="0" u="none" strike="noStrike" cap="none" spc="0" normalizeH="0" baseline="0">
             <a:ln>
               <a:noFill/>
             </a:ln>
@@ -6271,7 +6463,7 @@
           <a:buFontTx/>
           <a:buNone/>
           <a:tabLst/>
-          <a:defRPr b="0" baseline="0" cap="none" i="0" spc="0" strike="noStrike" sz="1800" u="none" kumimoji="0" normalizeH="0">
+          <a:defRPr kumimoji="0" sz="1800" b="0" i="0" u="none" strike="noStrike" cap="none" spc="0" normalizeH="0" baseline="0">
             <a:ln>
               <a:noFill/>
             </a:ln>
@@ -6297,7 +6489,7 @@
           <a:buFontTx/>
           <a:buNone/>
           <a:tabLst/>
-          <a:defRPr b="0" baseline="0" cap="none" i="0" spc="0" strike="noStrike" sz="1800" u="none" kumimoji="0" normalizeH="0">
+          <a:defRPr kumimoji="0" sz="1800" b="0" i="0" u="none" strike="noStrike" cap="none" spc="0" normalizeH="0" baseline="0">
             <a:ln>
               <a:noFill/>
             </a:ln>
@@ -6323,7 +6515,7 @@
           <a:buFontTx/>
           <a:buNone/>
           <a:tabLst/>
-          <a:defRPr b="0" baseline="0" cap="none" i="0" spc="0" strike="noStrike" sz="1800" u="none" kumimoji="0" normalizeH="0">
+          <a:defRPr kumimoji="0" sz="1800" b="0" i="0" u="none" strike="noStrike" cap="none" spc="0" normalizeH="0" baseline="0">
             <a:ln>
               <a:noFill/>
             </a:ln>
@@ -6349,7 +6541,7 @@
           <a:buFontTx/>
           <a:buNone/>
           <a:tabLst/>
-          <a:defRPr b="0" baseline="0" cap="none" i="0" spc="0" strike="noStrike" sz="1800" u="none" kumimoji="0" normalizeH="0">
+          <a:defRPr kumimoji="0" sz="1800" b="0" i="0" u="none" strike="noStrike" cap="none" spc="0" normalizeH="0" baseline="0">
             <a:ln>
               <a:noFill/>
             </a:ln>
@@ -6375,7 +6567,7 @@
           <a:buFontTx/>
           <a:buNone/>
           <a:tabLst/>
-          <a:defRPr b="0" baseline="0" cap="none" i="0" spc="0" strike="noStrike" sz="1800" u="none" kumimoji="0" normalizeH="0">
+          <a:defRPr kumimoji="0" sz="1800" b="0" i="0" u="none" strike="noStrike" cap="none" spc="0" normalizeH="0" baseline="0">
             <a:ln>
               <a:noFill/>
             </a:ln>
@@ -6388,12 +6580,19 @@
         </a:lvl9pPr>
       </a:lstStyle>
       <a:style>
-        <a:lnRef idx="0"/>
-        <a:fillRef idx="0"/>
-        <a:effectRef idx="0"/>
+        <a:lnRef idx="0">
+          <a:scrgbClr r="0" g="0" b="0"/>
+        </a:lnRef>
+        <a:fillRef idx="0">
+          <a:scrgbClr r="0" g="0" b="0"/>
+        </a:fillRef>
+        <a:effectRef idx="0">
+          <a:scrgbClr r="0" g="0" b="0"/>
+        </a:effectRef>
         <a:fontRef idx="none"/>
       </a:style>
     </a:txDef>
   </a:objectDefaults>
+  <a:extraClrSchemeLst/>
 </a:theme>
 </file>
--- a/MBSE - RequirementsEditor.pptx
+++ b/MBSE - RequirementsEditor.pptx
@@ -5,15 +5,18 @@
     <p:sldMasterId id="2147483648" r:id="rId1"/>
   </p:sldMasterIdLst>
   <p:notesMasterIdLst>
-    <p:notesMasterId r:id="rId8"/>
+    <p:notesMasterId r:id="rId11"/>
   </p:notesMasterIdLst>
   <p:sldIdLst>
     <p:sldId id="256" r:id="rId2"/>
-    <p:sldId id="257" r:id="rId3"/>
+    <p:sldId id="262" r:id="rId3"/>
     <p:sldId id="258" r:id="rId4"/>
     <p:sldId id="259" r:id="rId5"/>
     <p:sldId id="260" r:id="rId6"/>
-    <p:sldId id="261" r:id="rId7"/>
+    <p:sldId id="264" r:id="rId7"/>
+    <p:sldId id="257" r:id="rId8"/>
+    <p:sldId id="263" r:id="rId9"/>
+    <p:sldId id="261" r:id="rId10"/>
   </p:sldIdLst>
   <p:sldSz cx="9144000" cy="6858000" type="screen4x3"/>
   <p:notesSz cx="6858000" cy="9144000"/>
@@ -315,6 +318,11 @@
       </a:defRPr>
     </a:lvl9pPr>
   </p:defaultTextStyle>
+  <p:extLst>
+    <p:ext uri="{EFAFB233-063F-42B5-8137-9DF3F51BA10A}">
+      <p15:sldGuideLst xmlns:p15="http://schemas.microsoft.com/office/powerpoint/2012/main"/>
+    </p:ext>
+  </p:extLst>
 </p:presentation>
 </file>
 
@@ -597,11 +605,11 @@
         </c:dLbls>
         <c:marker val="1"/>
         <c:smooth val="0"/>
-        <c:axId val="187502224"/>
-        <c:axId val="187502784"/>
+        <c:axId val="194777312"/>
+        <c:axId val="194777872"/>
       </c:lineChart>
       <c:catAx>
-        <c:axId val="187502224"/>
+        <c:axId val="194777312"/>
         <c:scaling>
           <c:orientation val="minMax"/>
         </c:scaling>
@@ -635,7 +643,7 @@
             <a:endParaRPr lang="zh-CN"/>
           </a:p>
         </c:txPr>
-        <c:crossAx val="187502784"/>
+        <c:crossAx val="194777872"/>
         <c:crosses val="autoZero"/>
         <c:auto val="1"/>
         <c:lblAlgn val="ctr"/>
@@ -643,7 +651,7 @@
         <c:noMultiLvlLbl val="1"/>
       </c:catAx>
       <c:valAx>
-        <c:axId val="187502784"/>
+        <c:axId val="194777872"/>
         <c:scaling>
           <c:orientation val="minMax"/>
         </c:scaling>
@@ -686,7 +694,7 @@
             <a:endParaRPr lang="zh-CN"/>
           </a:p>
         </c:txPr>
-        <c:crossAx val="187502224"/>
+        <c:crossAx val="194777312"/>
         <c:crosses val="autoZero"/>
         <c:crossBetween val="between"/>
         <c:majorUnit val="22.5"/>
@@ -1030,7 +1038,7 @@
             <a:effectLst/>
             <a:extLst>
               <a:ext uri="{C572A759-6A51-4108-AA02-DFA0A04FC94B}">
-                <ma14:wrappingTextBoxFlag xmlns:ma14="http://schemas.microsoft.com/office/mac/drawingml/2011/main" xmlns="" val="1"/>
+                <ma14:wrappingTextBoxFlag xmlns="" xmlns:ma14="http://schemas.microsoft.com/office/mac/drawingml/2011/main" val="1"/>
               </a:ext>
             </a:extLst>
           </p:spPr>
@@ -1119,7 +1127,7 @@
             <a:effectLst/>
             <a:extLst>
               <a:ext uri="{C572A759-6A51-4108-AA02-DFA0A04FC94B}">
-                <ma14:wrappingTextBoxFlag xmlns:ma14="http://schemas.microsoft.com/office/mac/drawingml/2011/main" xmlns="" val="1"/>
+                <ma14:wrappingTextBoxFlag xmlns="" xmlns:ma14="http://schemas.microsoft.com/office/mac/drawingml/2011/main" val="1"/>
               </a:ext>
             </a:extLst>
           </p:spPr>
@@ -2277,7 +2285,7 @@
           </a:ln>
           <a:extLst>
             <a:ext uri="{C572A759-6A51-4108-AA02-DFA0A04FC94B}">
-              <ma14:wrappingTextBoxFlag xmlns:ma14="http://schemas.microsoft.com/office/mac/drawingml/2011/main" xmlns="" val="1"/>
+              <ma14:wrappingTextBoxFlag xmlns="" xmlns:ma14="http://schemas.microsoft.com/office/mac/drawingml/2011/main" val="1"/>
             </a:ext>
           </a:extLst>
         </p:spPr>
@@ -2320,7 +2328,7 @@
           </a:ln>
           <a:extLst>
             <a:ext uri="{C572A759-6A51-4108-AA02-DFA0A04FC94B}">
-              <ma14:wrappingTextBoxFlag xmlns:ma14="http://schemas.microsoft.com/office/mac/drawingml/2011/main" xmlns="" val="1"/>
+              <ma14:wrappingTextBoxFlag xmlns="" xmlns:ma14="http://schemas.microsoft.com/office/mac/drawingml/2011/main" val="1"/>
             </a:ext>
           </a:extLst>
         </p:spPr>
@@ -2359,7 +2367,7 @@
           </a:ln>
           <a:extLst>
             <a:ext uri="{C572A759-6A51-4108-AA02-DFA0A04FC94B}">
-              <ma14:wrappingTextBoxFlag xmlns:ma14="http://schemas.microsoft.com/office/mac/drawingml/2011/main" xmlns="" val="1"/>
+              <ma14:wrappingTextBoxFlag xmlns="" xmlns:ma14="http://schemas.microsoft.com/office/mac/drawingml/2011/main" val="1"/>
             </a:ext>
           </a:extLst>
         </p:spPr>
@@ -3325,18 +3333,18 @@
               <a:defRPr sz="1800"/>
             </a:pPr>
             <a:r>
-              <a:rPr dirty="0" err="1"/>
+              <a:rPr sz="2000" dirty="0" err="1"/>
               <a:t>Gruppe</a:t>
             </a:r>
             <a:r>
-              <a:rPr dirty="0"/>
+              <a:rPr sz="2000" dirty="0"/>
               <a:t> </a:t>
             </a:r>
             <a:r>
-              <a:rPr lang="en-US" dirty="0" smtClean="0"/>
+              <a:rPr lang="en-US" sz="2000" dirty="0" smtClean="0"/>
               <a:t>8</a:t>
             </a:r>
-            <a:endParaRPr dirty="0"/>
+            <a:endParaRPr sz="2000" dirty="0"/>
           </a:p>
           <a:p>
             <a:pPr algn="ctr">
@@ -3395,43 +3403,7 @@
       </p:grpSpPr>
       <p:sp>
         <p:nvSpPr>
-          <p:cNvPr id="92" name="Shape 92"/>
-          <p:cNvSpPr/>
-          <p:nvPr/>
-        </p:nvSpPr>
-        <p:spPr>
-          <a:xfrm>
-            <a:off x="0" y="0"/>
-            <a:ext cx="9144000" cy="1133475"/>
-          </a:xfrm>
-          <a:prstGeom prst="rect">
-            <a:avLst/>
-          </a:prstGeom>
-          <a:solidFill>
-            <a:schemeClr val="accent1"/>
-          </a:solidFill>
-          <a:ln w="12700">
-            <a:miter lim="400000"/>
-          </a:ln>
-        </p:spPr>
-        <p:txBody>
-          <a:bodyPr lIns="45719" rIns="45719" anchor="ctr"/>
-          <a:lstStyle/>
-          <a:p>
-            <a:pPr algn="ctr">
-              <a:defRPr>
-                <a:solidFill>
-                  <a:schemeClr val="accent2"/>
-                </a:solidFill>
-              </a:defRPr>
-            </a:pPr>
-            <a:endParaRPr/>
-          </a:p>
-        </p:txBody>
-      </p:sp>
-      <p:sp>
-        <p:nvSpPr>
-          <p:cNvPr id="93" name="Shape 93"/>
+          <p:cNvPr id="2" name="Titel 1"/>
           <p:cNvSpPr>
             <a:spLocks noGrp="1"/>
           </p:cNvSpPr>
@@ -3439,24 +3411,22 @@
             <p:ph type="title"/>
           </p:nvPr>
         </p:nvSpPr>
-        <p:spPr>
-          <a:prstGeom prst="rect">
-            <a:avLst/>
-          </a:prstGeom>
-        </p:spPr>
+        <p:spPr/>
         <p:txBody>
           <a:bodyPr/>
           <a:lstStyle/>
           <a:p>
             <a:r>
-              <a:t>Requirements Editor - Model-2-Text</a:t>
-            </a:r>
+              <a:rPr lang="en-US" altLang="zh-CN" dirty="0" smtClean="0"/>
+              <a:t>Modell</a:t>
+            </a:r>
+            <a:endParaRPr lang="zh-CN" altLang="en-US" dirty="0"/>
           </a:p>
         </p:txBody>
       </p:sp>
       <p:sp>
         <p:nvSpPr>
-          <p:cNvPr id="94" name="Shape 94"/>
+          <p:cNvPr id="3" name="Textplatzhalter 2"/>
           <p:cNvSpPr>
             <a:spLocks noGrp="1"/>
           </p:cNvSpPr>
@@ -3464,15 +3434,7 @@
             <p:ph type="body" idx="1"/>
           </p:nvPr>
         </p:nvSpPr>
-        <p:spPr>
-          <a:xfrm>
-            <a:off x="431799" y="1339850"/>
-            <a:ext cx="8370890" cy="4622801"/>
-          </a:xfrm>
-          <a:prstGeom prst="rect">
-            <a:avLst/>
-          </a:prstGeom>
-        </p:spPr>
+        <p:spPr/>
         <p:txBody>
           <a:bodyPr/>
           <a:lstStyle/>
@@ -3492,10 +3454,9 @@
               </a:defRPr>
             </a:pPr>
             <a:r>
-              <a:rPr dirty="0" err="1"/>
-              <a:t>Funktionen</a:t>
-            </a:r>
-            <a:endParaRPr dirty="0"/>
+              <a:rPr lang="de-DE" altLang="zh-CN" dirty="0"/>
+              <a:t>Elemente</a:t>
+            </a:r>
           </a:p>
           <a:p>
             <a:pPr marL="381000" lvl="2" indent="-188912">
@@ -3513,9 +3474,14 @@
               </a:defRPr>
             </a:pPr>
             <a:r>
-              <a:rPr dirty="0"/>
-              <a:t>A</a:t>
-            </a:r>
+              <a:rPr lang="de-DE" altLang="zh-CN" dirty="0" err="1" smtClean="0"/>
+              <a:t>Requirement</a:t>
+            </a:r>
+            <a:r>
+              <a:rPr lang="de-DE" altLang="zh-CN" dirty="0" smtClean="0"/>
+              <a:t> Model</a:t>
+            </a:r>
+            <a:endParaRPr lang="de-DE" altLang="zh-CN" dirty="0"/>
           </a:p>
           <a:p>
             <a:pPr marL="381000" lvl="2" indent="-188912">
@@ -3533,7 +3499,7 @@
               </a:defRPr>
             </a:pPr>
             <a:r>
-              <a:rPr dirty="0"/>
+              <a:rPr lang="de-DE" altLang="zh-CN" dirty="0"/>
               <a:t>B</a:t>
             </a:r>
           </a:p>
@@ -3553,7 +3519,7 @@
               </a:defRPr>
             </a:pPr>
             <a:r>
-              <a:rPr dirty="0"/>
+              <a:rPr lang="de-DE" altLang="zh-CN" dirty="0"/>
               <a:t>C</a:t>
             </a:r>
           </a:p>
@@ -3573,7 +3539,7 @@
               </a:defRPr>
             </a:pPr>
             <a:r>
-              <a:rPr dirty="0"/>
+              <a:rPr lang="de-DE" altLang="zh-CN" dirty="0"/>
               <a:t>D</a:t>
             </a:r>
           </a:p>
@@ -3593,7 +3559,7 @@
               </a:defRPr>
             </a:pPr>
             <a:r>
-              <a:rPr dirty="0"/>
+              <a:rPr lang="de-DE" altLang="zh-CN" dirty="0"/>
               <a:t>E</a:t>
             </a:r>
           </a:p>
@@ -3613,13 +3579,25 @@
               </a:defRPr>
             </a:pPr>
             <a:r>
-              <a:rPr dirty="0"/>
+              <a:rPr lang="de-DE" altLang="zh-CN" dirty="0"/>
               <a:t>F</a:t>
             </a:r>
+          </a:p>
+          <a:p>
+            <a:endParaRPr lang="zh-CN" altLang="en-US" sz="1600" dirty="0">
+              <a:solidFill>
+                <a:srgbClr val="000000"/>
+              </a:solidFill>
+            </a:endParaRPr>
           </a:p>
         </p:txBody>
       </p:sp>
     </p:spTree>
+    <p:extLst>
+      <p:ext uri="{BB962C8B-B14F-4D97-AF65-F5344CB8AC3E}">
+        <p14:creationId xmlns:p14="http://schemas.microsoft.com/office/powerpoint/2010/main" val="2451496966"/>
+      </p:ext>
+    </p:extLst>
   </p:cSld>
   <p:clrMapOvr>
     <a:masterClrMapping/>
@@ -3744,8 +3722,10 @@
               </a:defRPr>
             </a:pPr>
             <a:r>
+              <a:rPr dirty="0" err="1"/>
               <a:t>Funktionen</a:t>
             </a:r>
+            <a:endParaRPr dirty="0"/>
           </a:p>
           <a:p>
             <a:pPr marL="381000" lvl="2" indent="-188912">
@@ -3763,6 +3743,7 @@
               </a:defRPr>
             </a:pPr>
             <a:r>
+              <a:rPr dirty="0"/>
               <a:t>A</a:t>
             </a:r>
           </a:p>
@@ -3782,6 +3763,7 @@
               </a:defRPr>
             </a:pPr>
             <a:r>
+              <a:rPr dirty="0"/>
               <a:t>B</a:t>
             </a:r>
           </a:p>
@@ -3801,6 +3783,7 @@
               </a:defRPr>
             </a:pPr>
             <a:r>
+              <a:rPr dirty="0"/>
               <a:t>C</a:t>
             </a:r>
           </a:p>
@@ -3820,6 +3803,7 @@
               </a:defRPr>
             </a:pPr>
             <a:r>
+              <a:rPr dirty="0"/>
               <a:t>D</a:t>
             </a:r>
           </a:p>
@@ -3839,6 +3823,7 @@
               </a:defRPr>
             </a:pPr>
             <a:r>
+              <a:rPr dirty="0"/>
               <a:t>E</a:t>
             </a:r>
           </a:p>
@@ -3858,6 +3843,7 @@
               </a:defRPr>
             </a:pPr>
             <a:r>
+              <a:rPr dirty="0"/>
               <a:t>F</a:t>
             </a:r>
           </a:p>
@@ -3988,8 +3974,10 @@
               </a:defRPr>
             </a:pPr>
             <a:r>
+              <a:rPr dirty="0" err="1"/>
               <a:t>Funktionen</a:t>
             </a:r>
+            <a:endParaRPr dirty="0"/>
           </a:p>
           <a:p>
             <a:pPr marL="381000" lvl="2" indent="-188912">
@@ -4007,6 +3995,7 @@
               </a:defRPr>
             </a:pPr>
             <a:r>
+              <a:rPr dirty="0"/>
               <a:t>A</a:t>
             </a:r>
           </a:p>
@@ -4026,6 +4015,7 @@
               </a:defRPr>
             </a:pPr>
             <a:r>
+              <a:rPr dirty="0"/>
               <a:t>B</a:t>
             </a:r>
           </a:p>
@@ -4045,6 +4035,7 @@
               </a:defRPr>
             </a:pPr>
             <a:r>
+              <a:rPr dirty="0"/>
               <a:t>C</a:t>
             </a:r>
           </a:p>
@@ -4064,6 +4055,7 @@
               </a:defRPr>
             </a:pPr>
             <a:r>
+              <a:rPr dirty="0"/>
               <a:t>D</a:t>
             </a:r>
           </a:p>
@@ -4083,6 +4075,7 @@
               </a:defRPr>
             </a:pPr>
             <a:r>
+              <a:rPr dirty="0"/>
               <a:t>E</a:t>
             </a:r>
           </a:p>
@@ -4102,6 +4095,7 @@
               </a:defRPr>
             </a:pPr>
             <a:r>
+              <a:rPr dirty="0"/>
               <a:t>F</a:t>
             </a:r>
           </a:p>
@@ -4361,6 +4355,1087 @@
 </file>
 
 <file path=ppt/slides/slide6.xml><?xml version="1.0" encoding="utf-8"?>
+<p:sld xmlns:a="http://schemas.openxmlformats.org/drawingml/2006/main" xmlns:r="http://schemas.openxmlformats.org/officeDocument/2006/relationships" xmlns:p="http://schemas.openxmlformats.org/presentationml/2006/main">
+  <p:cSld>
+    <p:spTree>
+      <p:nvGrpSpPr>
+        <p:cNvPr id="1" name=""/>
+        <p:cNvGrpSpPr/>
+        <p:nvPr/>
+      </p:nvGrpSpPr>
+      <p:grpSpPr>
+        <a:xfrm>
+          <a:off x="0" y="0"/>
+          <a:ext cx="0" cy="0"/>
+          <a:chOff x="0" y="0"/>
+          <a:chExt cx="0" cy="0"/>
+        </a:xfrm>
+      </p:grpSpPr>
+      <p:sp>
+        <p:nvSpPr>
+          <p:cNvPr id="92" name="Shape 92"/>
+          <p:cNvSpPr/>
+          <p:nvPr/>
+        </p:nvSpPr>
+        <p:spPr>
+          <a:xfrm>
+            <a:off x="0" y="0"/>
+            <a:ext cx="9144000" cy="1133475"/>
+          </a:xfrm>
+          <a:prstGeom prst="rect">
+            <a:avLst/>
+          </a:prstGeom>
+          <a:solidFill>
+            <a:schemeClr val="accent1"/>
+          </a:solidFill>
+          <a:ln w="12700">
+            <a:miter lim="400000"/>
+          </a:ln>
+        </p:spPr>
+        <p:txBody>
+          <a:bodyPr lIns="45719" rIns="45719" anchor="ctr"/>
+          <a:lstStyle/>
+          <a:p>
+            <a:pPr algn="ctr">
+              <a:defRPr>
+                <a:solidFill>
+                  <a:schemeClr val="accent2"/>
+                </a:solidFill>
+              </a:defRPr>
+            </a:pPr>
+            <a:endParaRPr/>
+          </a:p>
+        </p:txBody>
+      </p:sp>
+      <p:sp>
+        <p:nvSpPr>
+          <p:cNvPr id="93" name="Shape 93"/>
+          <p:cNvSpPr>
+            <a:spLocks noGrp="1"/>
+          </p:cNvSpPr>
+          <p:nvPr>
+            <p:ph type="title"/>
+          </p:nvPr>
+        </p:nvSpPr>
+        <p:spPr>
+          <a:prstGeom prst="rect">
+            <a:avLst/>
+          </a:prstGeom>
+        </p:spPr>
+        <p:txBody>
+          <a:bodyPr/>
+          <a:lstStyle/>
+          <a:p>
+            <a:r>
+              <a:t>Requirements Editor - Model-2-Text</a:t>
+            </a:r>
+          </a:p>
+        </p:txBody>
+      </p:sp>
+      <p:sp>
+        <p:nvSpPr>
+          <p:cNvPr id="94" name="Shape 94"/>
+          <p:cNvSpPr>
+            <a:spLocks noGrp="1"/>
+          </p:cNvSpPr>
+          <p:nvPr>
+            <p:ph type="body" idx="1"/>
+          </p:nvPr>
+        </p:nvSpPr>
+        <p:spPr>
+          <a:xfrm>
+            <a:off x="431799" y="1339850"/>
+            <a:ext cx="8370890" cy="4622801"/>
+          </a:xfrm>
+          <a:prstGeom prst="rect">
+            <a:avLst/>
+          </a:prstGeom>
+        </p:spPr>
+        <p:txBody>
+          <a:bodyPr/>
+          <a:lstStyle/>
+          <a:p>
+            <a:pPr lvl="1">
+              <a:spcBef>
+                <a:spcPts val="300"/>
+              </a:spcBef>
+              <a:buClr>
+                <a:srgbClr val="000000"/>
+              </a:buClr>
+              <a:defRPr sz="1600">
+                <a:solidFill>
+                  <a:srgbClr val="000000"/>
+                </a:solidFill>
+              </a:defRPr>
+            </a:pPr>
+            <a:r>
+              <a:rPr lang="de-DE" dirty="0" smtClean="0"/>
+              <a:t>Motivation/</a:t>
+            </a:r>
+            <a:r>
+              <a:rPr lang="de-DE" altLang="zh-CN" dirty="0" smtClean="0"/>
+              <a:t>Anforderung</a:t>
+            </a:r>
+            <a:endParaRPr lang="de-DE" dirty="0" smtClean="0"/>
+          </a:p>
+          <a:p>
+            <a:pPr lvl="2">
+              <a:spcBef>
+                <a:spcPts val="300"/>
+              </a:spcBef>
+              <a:buClr>
+                <a:srgbClr val="000000"/>
+              </a:buClr>
+              <a:defRPr sz="1600">
+                <a:solidFill>
+                  <a:srgbClr val="000000"/>
+                </a:solidFill>
+              </a:defRPr>
+            </a:pPr>
+            <a:r>
+              <a:rPr lang="de-DE" dirty="0" smtClean="0"/>
+              <a:t>Nutzerfreundlich</a:t>
+            </a:r>
+          </a:p>
+          <a:p>
+            <a:pPr lvl="2">
+              <a:spcBef>
+                <a:spcPts val="300"/>
+              </a:spcBef>
+              <a:buClr>
+                <a:srgbClr val="000000"/>
+              </a:buClr>
+              <a:defRPr sz="1600">
+                <a:solidFill>
+                  <a:srgbClr val="000000"/>
+                </a:solidFill>
+              </a:defRPr>
+            </a:pPr>
+            <a:r>
+              <a:rPr lang="de-DE" dirty="0" smtClean="0"/>
+              <a:t>UI</a:t>
+            </a:r>
+          </a:p>
+          <a:p>
+            <a:pPr lvl="1">
+              <a:spcBef>
+                <a:spcPts val="300"/>
+              </a:spcBef>
+              <a:buClr>
+                <a:srgbClr val="000000"/>
+              </a:buClr>
+              <a:defRPr sz="1600">
+                <a:solidFill>
+                  <a:srgbClr val="000000"/>
+                </a:solidFill>
+              </a:defRPr>
+            </a:pPr>
+            <a:r>
+              <a:rPr lang="de-DE" dirty="0" smtClean="0"/>
+              <a:t>Entwurf</a:t>
+            </a:r>
+          </a:p>
+          <a:p>
+            <a:pPr lvl="2">
+              <a:spcBef>
+                <a:spcPts val="300"/>
+              </a:spcBef>
+              <a:buClr>
+                <a:srgbClr val="000000"/>
+              </a:buClr>
+              <a:defRPr sz="1600">
+                <a:solidFill>
+                  <a:srgbClr val="000000"/>
+                </a:solidFill>
+              </a:defRPr>
+            </a:pPr>
+            <a:r>
+              <a:rPr lang="de-DE" dirty="0" smtClean="0"/>
+              <a:t>Wo?</a:t>
+            </a:r>
+          </a:p>
+          <a:p>
+            <a:pPr lvl="3">
+              <a:spcBef>
+                <a:spcPts val="300"/>
+              </a:spcBef>
+              <a:buClr>
+                <a:srgbClr val="000000"/>
+              </a:buClr>
+              <a:defRPr sz="1600">
+                <a:solidFill>
+                  <a:srgbClr val="000000"/>
+                </a:solidFill>
+              </a:defRPr>
+            </a:pPr>
+            <a:r>
+              <a:rPr lang="de-DE" dirty="0" smtClean="0"/>
+              <a:t>Pop-Up Menü</a:t>
+            </a:r>
+          </a:p>
+          <a:p>
+            <a:pPr lvl="2">
+              <a:spcBef>
+                <a:spcPts val="300"/>
+              </a:spcBef>
+              <a:buClr>
+                <a:srgbClr val="000000"/>
+              </a:buClr>
+              <a:defRPr sz="1600">
+                <a:solidFill>
+                  <a:srgbClr val="000000"/>
+                </a:solidFill>
+              </a:defRPr>
+            </a:pPr>
+            <a:r>
+              <a:rPr lang="de-DE" dirty="0" smtClean="0"/>
+              <a:t>Wie?</a:t>
+            </a:r>
+          </a:p>
+          <a:p>
+            <a:pPr lvl="3">
+              <a:spcBef>
+                <a:spcPts val="300"/>
+              </a:spcBef>
+              <a:buClr>
+                <a:srgbClr val="000000"/>
+              </a:buClr>
+              <a:defRPr sz="1600">
+                <a:solidFill>
+                  <a:srgbClr val="000000"/>
+                </a:solidFill>
+              </a:defRPr>
+            </a:pPr>
+            <a:r>
+              <a:rPr lang="de-DE" dirty="0" smtClean="0"/>
+              <a:t>Recht klicken auf *.</a:t>
+            </a:r>
+            <a:r>
+              <a:rPr lang="de-DE" dirty="0" err="1" smtClean="0"/>
+              <a:t>reqs</a:t>
+            </a:r>
+            <a:r>
+              <a:rPr lang="de-DE" dirty="0" smtClean="0"/>
+              <a:t> Datei</a:t>
+            </a:r>
+          </a:p>
+          <a:p>
+            <a:pPr lvl="2">
+              <a:spcBef>
+                <a:spcPts val="300"/>
+              </a:spcBef>
+              <a:buClr>
+                <a:srgbClr val="000000"/>
+              </a:buClr>
+              <a:defRPr sz="1600">
+                <a:solidFill>
+                  <a:srgbClr val="000000"/>
+                </a:solidFill>
+              </a:defRPr>
+            </a:pPr>
+            <a:r>
+              <a:rPr lang="de-DE" dirty="0" smtClean="0"/>
+              <a:t>Was?</a:t>
+            </a:r>
+          </a:p>
+          <a:p>
+            <a:pPr lvl="3">
+              <a:spcBef>
+                <a:spcPts val="300"/>
+              </a:spcBef>
+              <a:buClr>
+                <a:srgbClr val="000000"/>
+              </a:buClr>
+              <a:defRPr sz="1600">
+                <a:solidFill>
+                  <a:srgbClr val="000000"/>
+                </a:solidFill>
+              </a:defRPr>
+            </a:pPr>
+            <a:r>
+              <a:rPr lang="de-DE" altLang="zh-CN" dirty="0" smtClean="0"/>
+              <a:t>Ausgabedateiformat</a:t>
+            </a:r>
+            <a:endParaRPr lang="de-DE" dirty="0" smtClean="0"/>
+          </a:p>
+          <a:p>
+            <a:pPr lvl="4">
+              <a:spcBef>
+                <a:spcPts val="300"/>
+              </a:spcBef>
+              <a:buClr>
+                <a:srgbClr val="000000"/>
+              </a:buClr>
+              <a:defRPr sz="1600">
+                <a:solidFill>
+                  <a:srgbClr val="000000"/>
+                </a:solidFill>
+              </a:defRPr>
+            </a:pPr>
+            <a:r>
+              <a:rPr lang="de-DE" dirty="0" smtClean="0"/>
+              <a:t>Einfach vs. Kräftig</a:t>
+            </a:r>
+          </a:p>
+        </p:txBody>
+      </p:sp>
+    </p:spTree>
+    <p:extLst>
+      <p:ext uri="{BB962C8B-B14F-4D97-AF65-F5344CB8AC3E}">
+        <p14:creationId xmlns:p14="http://schemas.microsoft.com/office/powerpoint/2010/main" val="2742038052"/>
+      </p:ext>
+    </p:extLst>
+  </p:cSld>
+  <p:clrMapOvr>
+    <a:masterClrMapping/>
+  </p:clrMapOvr>
+  <p:transition spd="med"/>
+</p:sld>
+</file>
+
+<file path=ppt/slides/slide7.xml><?xml version="1.0" encoding="utf-8"?>
+<p:sld xmlns:a="http://schemas.openxmlformats.org/drawingml/2006/main" xmlns:r="http://schemas.openxmlformats.org/officeDocument/2006/relationships" xmlns:p="http://schemas.openxmlformats.org/presentationml/2006/main">
+  <p:cSld>
+    <p:spTree>
+      <p:nvGrpSpPr>
+        <p:cNvPr id="1" name=""/>
+        <p:cNvGrpSpPr/>
+        <p:nvPr/>
+      </p:nvGrpSpPr>
+      <p:grpSpPr>
+        <a:xfrm>
+          <a:off x="0" y="0"/>
+          <a:ext cx="0" cy="0"/>
+          <a:chOff x="0" y="0"/>
+          <a:chExt cx="0" cy="0"/>
+        </a:xfrm>
+      </p:grpSpPr>
+      <p:sp>
+        <p:nvSpPr>
+          <p:cNvPr id="92" name="Shape 92"/>
+          <p:cNvSpPr/>
+          <p:nvPr/>
+        </p:nvSpPr>
+        <p:spPr>
+          <a:xfrm>
+            <a:off x="0" y="0"/>
+            <a:ext cx="9144000" cy="1133475"/>
+          </a:xfrm>
+          <a:prstGeom prst="rect">
+            <a:avLst/>
+          </a:prstGeom>
+          <a:solidFill>
+            <a:schemeClr val="accent1"/>
+          </a:solidFill>
+          <a:ln w="12700">
+            <a:miter lim="400000"/>
+          </a:ln>
+        </p:spPr>
+        <p:txBody>
+          <a:bodyPr lIns="45719" rIns="45719" anchor="ctr"/>
+          <a:lstStyle/>
+          <a:p>
+            <a:pPr algn="ctr">
+              <a:defRPr>
+                <a:solidFill>
+                  <a:schemeClr val="accent2"/>
+                </a:solidFill>
+              </a:defRPr>
+            </a:pPr>
+            <a:endParaRPr/>
+          </a:p>
+        </p:txBody>
+      </p:sp>
+      <p:sp>
+        <p:nvSpPr>
+          <p:cNvPr id="93" name="Shape 93"/>
+          <p:cNvSpPr>
+            <a:spLocks noGrp="1"/>
+          </p:cNvSpPr>
+          <p:nvPr>
+            <p:ph type="title"/>
+          </p:nvPr>
+        </p:nvSpPr>
+        <p:spPr>
+          <a:prstGeom prst="rect">
+            <a:avLst/>
+          </a:prstGeom>
+        </p:spPr>
+        <p:txBody>
+          <a:bodyPr/>
+          <a:lstStyle/>
+          <a:p>
+            <a:r>
+              <a:t>Requirements Editor - Model-2-Text</a:t>
+            </a:r>
+          </a:p>
+        </p:txBody>
+      </p:sp>
+      <p:sp>
+        <p:nvSpPr>
+          <p:cNvPr id="94" name="Shape 94"/>
+          <p:cNvSpPr>
+            <a:spLocks noGrp="1"/>
+          </p:cNvSpPr>
+          <p:nvPr>
+            <p:ph type="body" idx="1"/>
+          </p:nvPr>
+        </p:nvSpPr>
+        <p:spPr>
+          <a:xfrm>
+            <a:off x="431799" y="1339850"/>
+            <a:ext cx="8370890" cy="4622801"/>
+          </a:xfrm>
+          <a:prstGeom prst="rect">
+            <a:avLst/>
+          </a:prstGeom>
+        </p:spPr>
+        <p:txBody>
+          <a:bodyPr>
+            <a:normAutofit/>
+          </a:bodyPr>
+          <a:lstStyle/>
+          <a:p>
+            <a:pPr lvl="1">
+              <a:spcBef>
+                <a:spcPts val="300"/>
+              </a:spcBef>
+              <a:buClr>
+                <a:srgbClr val="000000"/>
+              </a:buClr>
+              <a:defRPr sz="1600">
+                <a:solidFill>
+                  <a:srgbClr val="000000"/>
+                </a:solidFill>
+              </a:defRPr>
+            </a:pPr>
+            <a:r>
+              <a:rPr lang="de-DE" sz="1600" dirty="0" smtClean="0"/>
+              <a:t>Funktionen</a:t>
+            </a:r>
+          </a:p>
+          <a:p>
+            <a:pPr lvl="2">
+              <a:spcBef>
+                <a:spcPts val="300"/>
+              </a:spcBef>
+              <a:buClr>
+                <a:srgbClr val="000000"/>
+              </a:buClr>
+              <a:defRPr sz="1600">
+                <a:solidFill>
+                  <a:srgbClr val="000000"/>
+                </a:solidFill>
+              </a:defRPr>
+            </a:pPr>
+            <a:r>
+              <a:rPr lang="en-US" sz="1600" dirty="0" smtClean="0"/>
+              <a:t>Input</a:t>
+            </a:r>
+          </a:p>
+          <a:p>
+            <a:pPr lvl="3">
+              <a:spcBef>
+                <a:spcPts val="300"/>
+              </a:spcBef>
+              <a:buClr>
+                <a:srgbClr val="000000"/>
+              </a:buClr>
+              <a:defRPr sz="1600">
+                <a:solidFill>
+                  <a:srgbClr val="000000"/>
+                </a:solidFill>
+              </a:defRPr>
+            </a:pPr>
+            <a:r>
+              <a:rPr lang="de-DE" sz="1600" dirty="0" smtClean="0"/>
+              <a:t>Irgendwo, Pfad frei</a:t>
+            </a:r>
+            <a:endParaRPr lang="en-US" sz="1600" dirty="0"/>
+          </a:p>
+          <a:p>
+            <a:pPr lvl="2">
+              <a:spcBef>
+                <a:spcPts val="300"/>
+              </a:spcBef>
+              <a:buClr>
+                <a:srgbClr val="000000"/>
+              </a:buClr>
+              <a:defRPr sz="1600">
+                <a:solidFill>
+                  <a:srgbClr val="000000"/>
+                </a:solidFill>
+              </a:defRPr>
+            </a:pPr>
+            <a:r>
+              <a:rPr lang="en-US" sz="1600" dirty="0" smtClean="0"/>
+              <a:t>Output</a:t>
+            </a:r>
+          </a:p>
+          <a:p>
+            <a:pPr lvl="3">
+              <a:spcBef>
+                <a:spcPts val="300"/>
+              </a:spcBef>
+              <a:buClr>
+                <a:srgbClr val="000000"/>
+              </a:buClr>
+              <a:defRPr sz="1600">
+                <a:solidFill>
+                  <a:srgbClr val="000000"/>
+                </a:solidFill>
+              </a:defRPr>
+            </a:pPr>
+            <a:r>
+              <a:rPr lang="de-DE" sz="1600" dirty="0" smtClean="0"/>
+              <a:t>Dateiformate</a:t>
+            </a:r>
+            <a:endParaRPr sz="1600" dirty="0"/>
+          </a:p>
+          <a:p>
+            <a:pPr marL="858838" lvl="4" indent="-285750">
+              <a:spcBef>
+                <a:spcPts val="300"/>
+              </a:spcBef>
+              <a:buClr>
+                <a:srgbClr val="000000"/>
+              </a:buClr>
+              <a:defRPr sz="1600">
+                <a:solidFill>
+                  <a:srgbClr val="000000"/>
+                </a:solidFill>
+              </a:defRPr>
+            </a:pPr>
+            <a:r>
+              <a:rPr sz="1600" dirty="0" smtClean="0"/>
+              <a:t>C</a:t>
+            </a:r>
+            <a:r>
+              <a:rPr lang="en-US" sz="1600" dirty="0" smtClean="0"/>
+              <a:t>SV</a:t>
+            </a:r>
+            <a:endParaRPr sz="1600" dirty="0"/>
+          </a:p>
+          <a:p>
+            <a:pPr marL="858838" lvl="4" indent="-285750">
+              <a:spcBef>
+                <a:spcPts val="300"/>
+              </a:spcBef>
+              <a:buClr>
+                <a:srgbClr val="000000"/>
+              </a:buClr>
+              <a:defRPr sz="1600">
+                <a:solidFill>
+                  <a:srgbClr val="000000"/>
+                </a:solidFill>
+              </a:defRPr>
+            </a:pPr>
+            <a:r>
+              <a:rPr lang="en-US" sz="1600" dirty="0" err="1" smtClean="0"/>
+              <a:t>Tex</a:t>
+            </a:r>
+            <a:endParaRPr sz="1600" dirty="0"/>
+          </a:p>
+          <a:p>
+            <a:pPr marL="858838" lvl="4" indent="-285750">
+              <a:spcBef>
+                <a:spcPts val="300"/>
+              </a:spcBef>
+              <a:buClr>
+                <a:srgbClr val="000000"/>
+              </a:buClr>
+              <a:defRPr sz="1600">
+                <a:solidFill>
+                  <a:srgbClr val="000000"/>
+                </a:solidFill>
+              </a:defRPr>
+            </a:pPr>
+            <a:r>
+              <a:rPr lang="en-US" sz="1600" dirty="0" err="1" smtClean="0"/>
+              <a:t>Mehr</a:t>
+            </a:r>
+            <a:r>
+              <a:rPr lang="en-US" sz="1600" dirty="0" smtClean="0"/>
+              <a:t>…</a:t>
+            </a:r>
+          </a:p>
+          <a:p>
+            <a:pPr marL="658813" lvl="3" indent="-285750">
+              <a:spcBef>
+                <a:spcPts val="300"/>
+              </a:spcBef>
+              <a:buClr>
+                <a:srgbClr val="000000"/>
+              </a:buClr>
+              <a:defRPr sz="1600">
+                <a:solidFill>
+                  <a:srgbClr val="000000"/>
+                </a:solidFill>
+              </a:defRPr>
+            </a:pPr>
+            <a:r>
+              <a:rPr lang="de-DE" sz="1600" dirty="0" smtClean="0"/>
+              <a:t>Pfad</a:t>
+            </a:r>
+          </a:p>
+          <a:p>
+            <a:pPr marL="858838" lvl="4" indent="-285750">
+              <a:spcBef>
+                <a:spcPts val="300"/>
+              </a:spcBef>
+              <a:buClr>
+                <a:srgbClr val="000000"/>
+              </a:buClr>
+              <a:defRPr sz="1600">
+                <a:solidFill>
+                  <a:srgbClr val="000000"/>
+                </a:solidFill>
+              </a:defRPr>
+            </a:pPr>
+            <a:r>
+              <a:rPr lang="de-DE" sz="1600" dirty="0" smtClean="0"/>
+              <a:t>gen</a:t>
+            </a:r>
+            <a:endParaRPr sz="1600" dirty="0"/>
+          </a:p>
+          <a:p>
+            <a:pPr lvl="2">
+              <a:spcBef>
+                <a:spcPts val="300"/>
+              </a:spcBef>
+              <a:buClr>
+                <a:srgbClr val="000000"/>
+              </a:buClr>
+              <a:defRPr sz="1600">
+                <a:solidFill>
+                  <a:srgbClr val="000000"/>
+                </a:solidFill>
+              </a:defRPr>
+            </a:pPr>
+            <a:r>
+              <a:rPr lang="en-US" sz="1600" dirty="0" smtClean="0"/>
+              <a:t>Custom</a:t>
+            </a:r>
+          </a:p>
+          <a:p>
+            <a:pPr lvl="3">
+              <a:spcBef>
+                <a:spcPts val="300"/>
+              </a:spcBef>
+              <a:buClr>
+                <a:srgbClr val="000000"/>
+              </a:buClr>
+              <a:defRPr sz="1600">
+                <a:solidFill>
+                  <a:srgbClr val="000000"/>
+                </a:solidFill>
+              </a:defRPr>
+            </a:pPr>
+            <a:r>
+              <a:rPr lang="en-US" sz="1600" dirty="0" err="1" smtClean="0"/>
+              <a:t>Pfad</a:t>
+            </a:r>
+            <a:r>
+              <a:rPr lang="en-US" sz="1600" dirty="0" smtClean="0"/>
+              <a:t>/</a:t>
+            </a:r>
+            <a:r>
+              <a:rPr lang="en-US" sz="1600" dirty="0" err="1" smtClean="0"/>
+              <a:t>Dateiname</a:t>
+            </a:r>
+            <a:endParaRPr lang="en-US" sz="1600" dirty="0" smtClean="0"/>
+          </a:p>
+          <a:p>
+            <a:pPr lvl="2">
+              <a:spcBef>
+                <a:spcPts val="300"/>
+              </a:spcBef>
+              <a:buClr>
+                <a:srgbClr val="000000"/>
+              </a:buClr>
+              <a:defRPr sz="1600">
+                <a:solidFill>
+                  <a:srgbClr val="000000"/>
+                </a:solidFill>
+              </a:defRPr>
+            </a:pPr>
+            <a:endParaRPr lang="en-US" sz="1600" dirty="0"/>
+          </a:p>
+          <a:p>
+            <a:pPr lvl="2">
+              <a:spcBef>
+                <a:spcPts val="300"/>
+              </a:spcBef>
+              <a:buClr>
+                <a:srgbClr val="000000"/>
+              </a:buClr>
+              <a:defRPr sz="1600">
+                <a:solidFill>
+                  <a:srgbClr val="000000"/>
+                </a:solidFill>
+              </a:defRPr>
+            </a:pPr>
+            <a:endParaRPr lang="en-US" sz="1600" dirty="0" smtClean="0"/>
+          </a:p>
+          <a:p>
+            <a:pPr>
+              <a:spcBef>
+                <a:spcPts val="300"/>
+              </a:spcBef>
+              <a:buClr>
+                <a:srgbClr val="000000"/>
+              </a:buClr>
+              <a:defRPr sz="1600">
+                <a:solidFill>
+                  <a:srgbClr val="000000"/>
+                </a:solidFill>
+              </a:defRPr>
+            </a:pPr>
+            <a:r>
+              <a:rPr lang="en-US" sz="1600" dirty="0" smtClean="0"/>
+              <a:t>(</a:t>
+            </a:r>
+            <a:r>
+              <a:rPr lang="en-US" sz="1600" dirty="0" err="1" smtClean="0"/>
+              <a:t>Bilder</a:t>
+            </a:r>
+            <a:r>
+              <a:rPr lang="en-US" sz="1600" dirty="0" smtClean="0"/>
+              <a:t> </a:t>
+            </a:r>
+            <a:r>
+              <a:rPr lang="en-US" sz="1600" dirty="0" err="1" smtClean="0"/>
+              <a:t>hier</a:t>
+            </a:r>
+            <a:r>
+              <a:rPr lang="en-US" sz="1600" dirty="0"/>
+              <a:t>)</a:t>
+            </a:r>
+            <a:endParaRPr sz="1600" dirty="0"/>
+          </a:p>
+        </p:txBody>
+      </p:sp>
+    </p:spTree>
+  </p:cSld>
+  <p:clrMapOvr>
+    <a:masterClrMapping/>
+  </p:clrMapOvr>
+  <p:transition spd="med"/>
+</p:sld>
+</file>
+
+<file path=ppt/slides/slide8.xml><?xml version="1.0" encoding="utf-8"?>
+<p:sld xmlns:a="http://schemas.openxmlformats.org/drawingml/2006/main" xmlns:r="http://schemas.openxmlformats.org/officeDocument/2006/relationships" xmlns:p="http://schemas.openxmlformats.org/presentationml/2006/main">
+  <p:cSld>
+    <p:spTree>
+      <p:nvGrpSpPr>
+        <p:cNvPr id="1" name=""/>
+        <p:cNvGrpSpPr/>
+        <p:nvPr/>
+      </p:nvGrpSpPr>
+      <p:grpSpPr>
+        <a:xfrm>
+          <a:off x="0" y="0"/>
+          <a:ext cx="0" cy="0"/>
+          <a:chOff x="0" y="0"/>
+          <a:chExt cx="0" cy="0"/>
+        </a:xfrm>
+      </p:grpSpPr>
+      <p:sp>
+        <p:nvSpPr>
+          <p:cNvPr id="92" name="Shape 92"/>
+          <p:cNvSpPr/>
+          <p:nvPr/>
+        </p:nvSpPr>
+        <p:spPr>
+          <a:xfrm>
+            <a:off x="0" y="0"/>
+            <a:ext cx="9144000" cy="1133475"/>
+          </a:xfrm>
+          <a:prstGeom prst="rect">
+            <a:avLst/>
+          </a:prstGeom>
+          <a:solidFill>
+            <a:schemeClr val="accent1"/>
+          </a:solidFill>
+          <a:ln w="12700">
+            <a:miter lim="400000"/>
+          </a:ln>
+        </p:spPr>
+        <p:txBody>
+          <a:bodyPr lIns="45719" rIns="45719" anchor="ctr"/>
+          <a:lstStyle/>
+          <a:p>
+            <a:pPr algn="ctr">
+              <a:defRPr>
+                <a:solidFill>
+                  <a:schemeClr val="accent2"/>
+                </a:solidFill>
+              </a:defRPr>
+            </a:pPr>
+            <a:endParaRPr/>
+          </a:p>
+        </p:txBody>
+      </p:sp>
+      <p:sp>
+        <p:nvSpPr>
+          <p:cNvPr id="93" name="Shape 93"/>
+          <p:cNvSpPr>
+            <a:spLocks noGrp="1"/>
+          </p:cNvSpPr>
+          <p:nvPr>
+            <p:ph type="title"/>
+          </p:nvPr>
+        </p:nvSpPr>
+        <p:spPr>
+          <a:prstGeom prst="rect">
+            <a:avLst/>
+          </a:prstGeom>
+        </p:spPr>
+        <p:txBody>
+          <a:bodyPr/>
+          <a:lstStyle/>
+          <a:p>
+            <a:r>
+              <a:t>Requirements Editor - Model-2-Text</a:t>
+            </a:r>
+          </a:p>
+        </p:txBody>
+      </p:sp>
+      <p:sp>
+        <p:nvSpPr>
+          <p:cNvPr id="94" name="Shape 94"/>
+          <p:cNvSpPr>
+            <a:spLocks noGrp="1"/>
+          </p:cNvSpPr>
+          <p:nvPr>
+            <p:ph type="body" idx="1"/>
+          </p:nvPr>
+        </p:nvSpPr>
+        <p:spPr>
+          <a:xfrm>
+            <a:off x="431799" y="1339850"/>
+            <a:ext cx="8370890" cy="4622801"/>
+          </a:xfrm>
+          <a:prstGeom prst="rect">
+            <a:avLst/>
+          </a:prstGeom>
+        </p:spPr>
+        <p:txBody>
+          <a:bodyPr/>
+          <a:lstStyle/>
+          <a:p>
+            <a:pPr lvl="1">
+              <a:spcBef>
+                <a:spcPts val="300"/>
+              </a:spcBef>
+              <a:buClr>
+                <a:srgbClr val="000000"/>
+              </a:buClr>
+              <a:defRPr sz="1600">
+                <a:solidFill>
+                  <a:srgbClr val="000000"/>
+                </a:solidFill>
+              </a:defRPr>
+            </a:pPr>
+            <a:r>
+              <a:rPr lang="en-US" dirty="0" smtClean="0"/>
+              <a:t>Code snap</a:t>
+            </a:r>
+            <a:endParaRPr dirty="0"/>
+          </a:p>
+          <a:p>
+            <a:pPr lvl="2">
+              <a:spcBef>
+                <a:spcPts val="300"/>
+              </a:spcBef>
+              <a:buClr>
+                <a:srgbClr val="000000"/>
+              </a:buClr>
+              <a:defRPr sz="1600">
+                <a:solidFill>
+                  <a:srgbClr val="000000"/>
+                </a:solidFill>
+              </a:defRPr>
+            </a:pPr>
+            <a:r>
+              <a:rPr lang="de-DE" dirty="0" smtClean="0"/>
+              <a:t>Epsilon</a:t>
+            </a:r>
+            <a:endParaRPr lang="en-US" dirty="0" smtClean="0"/>
+          </a:p>
+          <a:p>
+            <a:pPr lvl="3">
+              <a:spcBef>
+                <a:spcPts val="300"/>
+              </a:spcBef>
+              <a:buClr>
+                <a:srgbClr val="000000"/>
+              </a:buClr>
+              <a:defRPr sz="1600">
+                <a:solidFill>
+                  <a:srgbClr val="000000"/>
+                </a:solidFill>
+              </a:defRPr>
+            </a:pPr>
+            <a:r>
+              <a:rPr lang="en-US" dirty="0" smtClean="0"/>
+              <a:t>EGX</a:t>
+            </a:r>
+          </a:p>
+          <a:p>
+            <a:pPr lvl="3">
+              <a:spcBef>
+                <a:spcPts val="300"/>
+              </a:spcBef>
+              <a:buClr>
+                <a:srgbClr val="000000"/>
+              </a:buClr>
+              <a:defRPr sz="1600">
+                <a:solidFill>
+                  <a:srgbClr val="000000"/>
+                </a:solidFill>
+              </a:defRPr>
+            </a:pPr>
+            <a:r>
+              <a:rPr lang="en-US" dirty="0" smtClean="0"/>
+              <a:t>EGL</a:t>
+            </a:r>
+          </a:p>
+          <a:p>
+            <a:pPr lvl="2">
+              <a:spcBef>
+                <a:spcPts val="300"/>
+              </a:spcBef>
+              <a:buClr>
+                <a:srgbClr val="000000"/>
+              </a:buClr>
+              <a:defRPr sz="1600">
+                <a:solidFill>
+                  <a:srgbClr val="000000"/>
+                </a:solidFill>
+              </a:defRPr>
+            </a:pPr>
+            <a:r>
+              <a:rPr lang="en-US" dirty="0" smtClean="0"/>
+              <a:t>Java</a:t>
+            </a:r>
+          </a:p>
+          <a:p>
+            <a:pPr marL="658813" lvl="3" indent="-285750">
+              <a:spcBef>
+                <a:spcPts val="300"/>
+              </a:spcBef>
+              <a:buClr>
+                <a:srgbClr val="000000"/>
+              </a:buClr>
+              <a:defRPr sz="1600">
+                <a:solidFill>
+                  <a:srgbClr val="000000"/>
+                </a:solidFill>
+              </a:defRPr>
+            </a:pPr>
+            <a:r>
+              <a:rPr lang="en-US" dirty="0" smtClean="0"/>
+              <a:t>SWF</a:t>
+            </a:r>
+          </a:p>
+          <a:p>
+            <a:pPr marL="658813" lvl="3" indent="-285750">
+              <a:spcBef>
+                <a:spcPts val="300"/>
+              </a:spcBef>
+              <a:buClr>
+                <a:srgbClr val="000000"/>
+              </a:buClr>
+              <a:defRPr sz="1600">
+                <a:solidFill>
+                  <a:srgbClr val="000000"/>
+                </a:solidFill>
+              </a:defRPr>
+            </a:pPr>
+            <a:r>
+              <a:rPr lang="en-US" dirty="0" smtClean="0"/>
+              <a:t>Epsilon </a:t>
+            </a:r>
+            <a:r>
+              <a:rPr lang="en-US" dirty="0" err="1" smtClean="0"/>
+              <a:t>Bibliothek</a:t>
+            </a:r>
+            <a:r>
+              <a:rPr lang="en-US" dirty="0" smtClean="0"/>
+              <a:t> (lib)</a:t>
+            </a:r>
+          </a:p>
+          <a:p>
+            <a:pPr marL="658813" lvl="3" indent="-285750">
+              <a:spcBef>
+                <a:spcPts val="300"/>
+              </a:spcBef>
+              <a:buClr>
+                <a:srgbClr val="000000"/>
+              </a:buClr>
+              <a:defRPr sz="1600">
+                <a:solidFill>
+                  <a:srgbClr val="000000"/>
+                </a:solidFill>
+              </a:defRPr>
+            </a:pPr>
+            <a:endParaRPr lang="en-US" dirty="0"/>
+          </a:p>
+          <a:p>
+            <a:pPr marL="20638" lvl="1" indent="0">
+              <a:spcBef>
+                <a:spcPts val="300"/>
+              </a:spcBef>
+              <a:buClr>
+                <a:srgbClr val="000000"/>
+              </a:buClr>
+              <a:buNone/>
+              <a:defRPr sz="1600">
+                <a:solidFill>
+                  <a:srgbClr val="000000"/>
+                </a:solidFill>
+              </a:defRPr>
+            </a:pPr>
+            <a:r>
+              <a:rPr lang="en-US" dirty="0" smtClean="0"/>
+              <a:t>(</a:t>
+            </a:r>
+            <a:r>
+              <a:rPr lang="en-US" dirty="0" err="1" smtClean="0"/>
+              <a:t>Bilder</a:t>
+            </a:r>
+            <a:r>
+              <a:rPr lang="en-US" dirty="0" smtClean="0"/>
+              <a:t> </a:t>
+            </a:r>
+            <a:r>
+              <a:rPr lang="en-US" dirty="0" err="1" smtClean="0"/>
+              <a:t>hier</a:t>
+            </a:r>
+            <a:r>
+              <a:rPr lang="en-US" dirty="0" smtClean="0"/>
+              <a:t>)</a:t>
+            </a:r>
+          </a:p>
+        </p:txBody>
+      </p:sp>
+    </p:spTree>
+    <p:extLst>
+      <p:ext uri="{BB962C8B-B14F-4D97-AF65-F5344CB8AC3E}">
+        <p14:creationId xmlns:p14="http://schemas.microsoft.com/office/powerpoint/2010/main" val="2717458543"/>
+      </p:ext>
+    </p:extLst>
+  </p:cSld>
+  <p:clrMapOvr>
+    <a:masterClrMapping/>
+  </p:clrMapOvr>
+  <p:transition spd="med"/>
+</p:sld>
+</file>
+
+<file path=ppt/slides/slide9.xml><?xml version="1.0" encoding="utf-8"?>
 <p:sld xmlns:a="http://schemas.openxmlformats.org/drawingml/2006/main" xmlns:r="http://schemas.openxmlformats.org/officeDocument/2006/relationships" xmlns:p="http://schemas.openxmlformats.org/presentationml/2006/main">
   <p:cSld>
     <p:spTree>
